--- a/Bets4You Pristatymas.pptx
+++ b/Bets4You Pristatymas.pptx
@@ -6,11 +6,12 @@
   </p:sldMasterIdLst>
   <p:sldIdLst>
     <p:sldId id="256" r:id="rId2"/>
-    <p:sldId id="257" r:id="rId3"/>
-    <p:sldId id="258" r:id="rId4"/>
-    <p:sldId id="259" r:id="rId5"/>
-    <p:sldId id="260" r:id="rId6"/>
-    <p:sldId id="261" r:id="rId7"/>
+    <p:sldId id="262" r:id="rId3"/>
+    <p:sldId id="257" r:id="rId4"/>
+    <p:sldId id="258" r:id="rId5"/>
+    <p:sldId id="259" r:id="rId6"/>
+    <p:sldId id="260" r:id="rId7"/>
+    <p:sldId id="261" r:id="rId8"/>
   </p:sldIdLst>
   <p:sldSz cx="12192000" cy="6858000"/>
   <p:notesSz cx="6858000" cy="9144000"/>
@@ -109,6 +110,11 @@
       </a:defRPr>
     </a:lvl9pPr>
   </p:defaultTextStyle>
+  <p:extLst>
+    <p:ext uri="{EFAFB233-063F-42B5-8137-9DF3F51BA10A}">
+      <p15:sldGuideLst xmlns:p15="http://schemas.microsoft.com/office/powerpoint/2012/main"/>
+    </p:ext>
+  </p:extLst>
 </p:presentation>
 </file>
 
@@ -7744,7 +7750,7 @@
           <a:p>
             <a:r>
               <a:rPr lang="lt-LT" dirty="0"/>
-              <a:t>Darba atliko: Petras Bukelis, Vaidotas Gružas</a:t>
+              <a:t>Darbą atliko: Petras Bukelis, Vaidotas Gružas</a:t>
             </a:r>
           </a:p>
         </p:txBody>
@@ -7802,7 +7808,181 @@
           <a:p>
             <a:pPr algn="ctr"/>
             <a:r>
-              <a:rPr lang="lt-LT" dirty="0"/>
+              <a:rPr lang="lt-LT" b="1" dirty="0"/>
+              <a:t>Darbo tikslas ir uždaviniai</a:t>
+            </a:r>
+          </a:p>
+        </p:txBody>
+      </p:sp>
+      <p:sp>
+        <p:nvSpPr>
+          <p:cNvPr id="3" name="Turinio vietos rezervavimo ženklas 2">
+            <a:extLst>
+              <a:ext uri="{FF2B5EF4-FFF2-40B4-BE49-F238E27FC236}">
+                <a16:creationId xmlns:a16="http://schemas.microsoft.com/office/drawing/2014/main" id="{3D2CD99B-C7D9-4651-88AC-4FEA59A4077C}"/>
+              </a:ext>
+            </a:extLst>
+          </p:cNvPr>
+          <p:cNvSpPr>
+            <a:spLocks noGrp="1"/>
+          </p:cNvSpPr>
+          <p:nvPr>
+            <p:ph idx="1"/>
+          </p:nvPr>
+        </p:nvSpPr>
+        <p:spPr>
+          <a:xfrm>
+            <a:off x="1712422" y="1546167"/>
+            <a:ext cx="9792190" cy="5187142"/>
+          </a:xfrm>
+        </p:spPr>
+        <p:txBody>
+          <a:bodyPr>
+            <a:normAutofit/>
+          </a:bodyPr>
+          <a:lstStyle/>
+          <a:p>
+            <a:r>
+              <a:rPr lang="lt-LT" sz="2400" b="1" dirty="0"/>
+              <a:t>Darbo tikslas:</a:t>
+            </a:r>
+            <a:endParaRPr lang="lt-LT" sz="2400" dirty="0"/>
+          </a:p>
+          <a:p>
+            <a:pPr marL="0" indent="0">
+              <a:buNone/>
+            </a:pPr>
+            <a:r>
+              <a:rPr lang="lt-LT" sz="2400" dirty="0"/>
+              <a:t>Išanalizuoti kuriamos sistemos reikalavimus bei sukurti sistema, atsižvelgiant į uždavinius ir sukurti funkcionalią sistemą bei atlikti sistemos nuodugnų aprašymą.</a:t>
+            </a:r>
+          </a:p>
+          <a:p>
+            <a:r>
+              <a:rPr lang="lt-LT" sz="2400" b="1" dirty="0"/>
+              <a:t>Darbo užduotys:</a:t>
+            </a:r>
+            <a:endParaRPr lang="lt-LT" sz="2400" dirty="0"/>
+          </a:p>
+          <a:p>
+            <a:pPr lvl="0">
+              <a:buFont typeface="+mj-lt"/>
+              <a:buAutoNum type="arabicPeriod"/>
+            </a:pPr>
+            <a:r>
+              <a:rPr lang="lt-LT" sz="2400" dirty="0"/>
+              <a:t>Apibrėžti sistemos naudotojus.</a:t>
+            </a:r>
+          </a:p>
+          <a:p>
+            <a:pPr lvl="0">
+              <a:buFont typeface="+mj-lt"/>
+              <a:buAutoNum type="arabicPeriod"/>
+            </a:pPr>
+            <a:r>
+              <a:rPr lang="lt-LT" sz="2400" dirty="0"/>
+              <a:t>Sukurti sistemos funkcinius reikalvimus.</a:t>
+            </a:r>
+          </a:p>
+          <a:p>
+            <a:pPr lvl="0">
+              <a:buFont typeface="+mj-lt"/>
+              <a:buAutoNum type="arabicPeriod"/>
+            </a:pPr>
+            <a:r>
+              <a:rPr lang="lt-LT" sz="2400" dirty="0"/>
+              <a:t>Sudaryti panaudos atvejų diagramą.</a:t>
+            </a:r>
+          </a:p>
+          <a:p>
+            <a:pPr lvl="0">
+              <a:buFont typeface="+mj-lt"/>
+              <a:buAutoNum type="arabicPeriod"/>
+            </a:pPr>
+            <a:r>
+              <a:rPr lang="lt-LT" sz="2400" dirty="0"/>
+              <a:t>Aprašyti kiekvieno panaudos atvejų diagramą.</a:t>
+            </a:r>
+          </a:p>
+          <a:p>
+            <a:pPr lvl="0">
+              <a:buFont typeface="+mj-lt"/>
+              <a:buAutoNum type="arabicPeriod"/>
+            </a:pPr>
+            <a:r>
+              <a:rPr lang="lt-LT" sz="2400" dirty="0"/>
+              <a:t>Sudaryti veiklos diagramą.</a:t>
+            </a:r>
+          </a:p>
+          <a:p>
+            <a:pPr lvl="0">
+              <a:buFont typeface="+mj-lt"/>
+              <a:buAutoNum type="arabicPeriod"/>
+            </a:pPr>
+            <a:r>
+              <a:rPr lang="lt-LT" sz="2400" dirty="0"/>
+              <a:t>Apibrėžti sistemos funkcinius reikalvimus.</a:t>
+            </a:r>
+          </a:p>
+          <a:p>
+            <a:endParaRPr lang="lt-LT" dirty="0"/>
+          </a:p>
+        </p:txBody>
+      </p:sp>
+    </p:spTree>
+    <p:extLst>
+      <p:ext uri="{BB962C8B-B14F-4D97-AF65-F5344CB8AC3E}">
+        <p14:creationId xmlns:p14="http://schemas.microsoft.com/office/powerpoint/2010/main" val="2486778609"/>
+      </p:ext>
+    </p:extLst>
+  </p:cSld>
+  <p:clrMapOvr>
+    <a:masterClrMapping/>
+  </p:clrMapOvr>
+</p:sld>
+</file>
+
+<file path=ppt/slides/slide3.xml><?xml version="1.0" encoding="utf-8"?>
+<p:sld xmlns:a="http://schemas.openxmlformats.org/drawingml/2006/main" xmlns:r="http://schemas.openxmlformats.org/officeDocument/2006/relationships" xmlns:p="http://schemas.openxmlformats.org/presentationml/2006/main">
+  <p:cSld>
+    <p:spTree>
+      <p:nvGrpSpPr>
+        <p:cNvPr id="1" name=""/>
+        <p:cNvGrpSpPr/>
+        <p:nvPr/>
+      </p:nvGrpSpPr>
+      <p:grpSpPr>
+        <a:xfrm>
+          <a:off x="0" y="0"/>
+          <a:ext cx="0" cy="0"/>
+          <a:chOff x="0" y="0"/>
+          <a:chExt cx="0" cy="0"/>
+        </a:xfrm>
+      </p:grpSpPr>
+      <p:sp>
+        <p:nvSpPr>
+          <p:cNvPr id="2" name="Pavadinimas 1">
+            <a:extLst>
+              <a:ext uri="{FF2B5EF4-FFF2-40B4-BE49-F238E27FC236}">
+                <a16:creationId xmlns:a16="http://schemas.microsoft.com/office/drawing/2014/main" id="{DDC5ABAA-8370-4DB1-A98B-CD4C0BC72E62}"/>
+              </a:ext>
+            </a:extLst>
+          </p:cNvPr>
+          <p:cNvSpPr>
+            <a:spLocks noGrp="1"/>
+          </p:cNvSpPr>
+          <p:nvPr>
+            <p:ph type="title"/>
+          </p:nvPr>
+        </p:nvSpPr>
+        <p:spPr/>
+        <p:txBody>
+          <a:bodyPr/>
+          <a:lstStyle/>
+          <a:p>
+            <a:pPr algn="ctr"/>
+            <a:r>
+              <a:rPr lang="lt-LT" b="1" dirty="0"/>
               <a:t>Kodėl pasirinkome būtent šia temą?</a:t>
             </a:r>
           </a:p>
@@ -7860,7 +8040,7 @@
 </p:sld>
 </file>
 
-<file path=ppt/slides/slide3.xml><?xml version="1.0" encoding="utf-8"?>
+<file path=ppt/slides/slide4.xml><?xml version="1.0" encoding="utf-8"?>
 <p:sld xmlns:a="http://schemas.openxmlformats.org/drawingml/2006/main" xmlns:r="http://schemas.openxmlformats.org/officeDocument/2006/relationships" xmlns:p="http://schemas.openxmlformats.org/presentationml/2006/main">
   <p:cSld>
     <p:bg>
@@ -7992,7 +8172,7 @@
           <a:lstStyle/>
           <a:p>
             <a:r>
-              <a:rPr lang="lt-LT" dirty="0"/>
+              <a:rPr lang="lt-LT" b="1" dirty="0"/>
               <a:t>Kaip veikia Bets4You?</a:t>
             </a:r>
           </a:p>
@@ -8071,41 +8251,41 @@
         <p:spPr>
           <a:xfrm>
             <a:off x="649225" y="2133600"/>
-            <a:ext cx="3650278" cy="3759253"/>
+            <a:ext cx="4271910" cy="3759253"/>
           </a:xfrm>
         </p:spPr>
         <p:txBody>
           <a:bodyPr>
-            <a:normAutofit/>
+            <a:noAutofit/>
           </a:bodyPr>
           <a:lstStyle/>
           <a:p>
             <a:r>
-              <a:rPr lang="lt-LT" dirty="0"/>
-              <a:t>Registruotas vartotojas – tai vartotojas turintis slaptažodi.</a:t>
-            </a:r>
-          </a:p>
-          <a:p>
-            <a:r>
-              <a:rPr lang="lt-LT" dirty="0"/>
-              <a:t>Kombinuotas statymas – tai statymas kurį sudaro 2 ar daugiau statymai.</a:t>
-            </a:r>
-          </a:p>
-          <a:p>
-            <a:r>
-              <a:rPr lang="lt-LT" dirty="0"/>
+              <a:rPr lang="lt-LT" sz="2000" dirty="0"/>
+              <a:t>Registruotas vartotojas – tai vartotojas turintis slaptažodį.</a:t>
+            </a:r>
+          </a:p>
+          <a:p>
+            <a:r>
+              <a:rPr lang="lt-LT" sz="2000" dirty="0"/>
+              <a:t>Kombinuotas statymas – tai statymas, kurį sudaro 2 ar daugiau statymų.</a:t>
+            </a:r>
+          </a:p>
+          <a:p>
+            <a:r>
+              <a:rPr lang="lt-LT" sz="2000" dirty="0"/>
               <a:t>Kodėl reikalingas slaptažodis?</a:t>
             </a:r>
           </a:p>
           <a:p>
             <a:r>
-              <a:rPr lang="lt-LT" dirty="0"/>
+              <a:rPr lang="lt-LT" sz="2000" dirty="0"/>
               <a:t>Kaip atskiriate pasibaigusius statymus?</a:t>
             </a:r>
           </a:p>
           <a:p>
             <a:r>
-              <a:rPr lang="lt-LT" dirty="0"/>
+              <a:rPr lang="lt-LT" sz="2000" dirty="0"/>
               <a:t>Kaip skaičiuojamas laimėjimas?</a:t>
             </a:r>
           </a:p>
@@ -8376,7 +8556,7 @@
 </p:sld>
 </file>
 
-<file path=ppt/slides/slide4.xml><?xml version="1.0" encoding="utf-8"?>
+<file path=ppt/slides/slide5.xml><?xml version="1.0" encoding="utf-8"?>
 <p:sld xmlns:a="http://schemas.openxmlformats.org/drawingml/2006/main" xmlns:r="http://schemas.openxmlformats.org/officeDocument/2006/relationships" xmlns:p="http://schemas.openxmlformats.org/presentationml/2006/main">
   <p:cSld>
     <p:bg>
@@ -8503,12 +8683,12 @@
         </p:spPr>
         <p:txBody>
           <a:bodyPr>
-            <a:normAutofit/>
+            <a:normAutofit fontScale="90000"/>
           </a:bodyPr>
           <a:lstStyle/>
           <a:p>
             <a:r>
-              <a:rPr lang="lt-LT" sz="3300"/>
+              <a:rPr lang="lt-LT" sz="3300" b="1" dirty="0"/>
               <a:t>Kodėl reikalingas slaptažodis?</a:t>
             </a:r>
           </a:p>
@@ -8600,7 +8780,7 @@
               <a:buNone/>
             </a:pPr>
             <a:r>
-              <a:rPr lang="lt-LT" dirty="0"/>
+              <a:rPr lang="lt-LT" sz="2400" dirty="0"/>
               <a:t>Slaptažodis - tai mūsų paprastas būdas išvengti spam ir didžiulės duomenų bazės apkrovos.</a:t>
             </a:r>
           </a:p>
@@ -8872,7 +9052,7 @@
 </p:sld>
 </file>
 
-<file path=ppt/slides/slide5.xml><?xml version="1.0" encoding="utf-8"?>
+<file path=ppt/slides/slide6.xml><?xml version="1.0" encoding="utf-8"?>
 <p:sld xmlns:a="http://schemas.openxmlformats.org/drawingml/2006/main" xmlns:r="http://schemas.openxmlformats.org/officeDocument/2006/relationships" xmlns:p="http://schemas.openxmlformats.org/presentationml/2006/main">
   <p:cSld>
     <p:bg>
@@ -9009,7 +9189,7 @@
               </a:lnSpc>
             </a:pPr>
             <a:r>
-              <a:rPr lang="lt-LT" sz="2800"/>
+              <a:rPr lang="lt-LT" sz="2800" b="1" dirty="0"/>
               <a:t>Kaip atskiriate pasibaigusius statymus?</a:t>
             </a:r>
           </a:p>
@@ -9098,7 +9278,7 @@
           <a:lstStyle/>
           <a:p>
             <a:r>
-              <a:rPr lang="lt-LT" dirty="0"/>
+              <a:rPr lang="lt-LT" sz="2400" dirty="0"/>
               <a:t>Seni statymai ir kombinuoti statymai niekur nedingsta iš mūsų sistemos, jie yra kaupiami. Tačiau naudojant filtrą, mes tiesiog jų nerodome. </a:t>
             </a:r>
           </a:p>
@@ -9370,7 +9550,7 @@
 </p:sld>
 </file>
 
-<file path=ppt/slides/slide6.xml><?xml version="1.0" encoding="utf-8"?>
+<file path=ppt/slides/slide7.xml><?xml version="1.0" encoding="utf-8"?>
 <p:sld xmlns:a="http://schemas.openxmlformats.org/drawingml/2006/main" xmlns:r="http://schemas.openxmlformats.org/officeDocument/2006/relationships" xmlns:p="http://schemas.openxmlformats.org/presentationml/2006/main">
   <p:cSld>
     <p:bg>
@@ -9507,13 +9687,13 @@
               </a:lnSpc>
             </a:pPr>
             <a:r>
-              <a:rPr lang="lt-LT" sz="2800"/>
+              <a:rPr lang="lt-LT" sz="2800" b="1" dirty="0"/>
               <a:t>Kaip skaičiuojamas laimėjimas?</a:t>
             </a:r>
             <a:br>
-              <a:rPr lang="lt-LT" sz="2800"/>
+              <a:rPr lang="lt-LT" sz="2800" dirty="0"/>
             </a:br>
-            <a:endParaRPr lang="lt-LT" sz="2800"/>
+            <a:endParaRPr lang="lt-LT" sz="2800" dirty="0"/>
           </a:p>
         </p:txBody>
       </p:sp>
@@ -9600,8 +9780,8 @@
           <a:lstStyle/>
           <a:p>
             <a:r>
-              <a:rPr lang="lt-LT" dirty="0"/>
-              <a:t>Pasirinkus statymą ar kombinuota statymą, jūsų įvedama suma yra sudauginama su koeficientu ir pagal jūsų įvesta regioną jums parodomą kokia valiuta jūsų laimėjimas bus.</a:t>
+              <a:rPr lang="lt-LT" sz="2400" dirty="0"/>
+              <a:t>Pasirinkus statymą ar kombinuota statymą, jūsų įvedama suma yra sudauginama su koeficientu ir pagal jūsų įvesta regioną jums parodoma, kokia valiuta bus jūsų laimėjimas.</a:t>
             </a:r>
           </a:p>
           <a:p>

--- a/Bets4You Pristatymas.pptx
+++ b/Bets4You Pristatymas.pptx
@@ -12,6 +12,12 @@
     <p:sldId id="259" r:id="rId6"/>
     <p:sldId id="260" r:id="rId7"/>
     <p:sldId id="261" r:id="rId8"/>
+    <p:sldId id="263" r:id="rId9"/>
+    <p:sldId id="264" r:id="rId10"/>
+    <p:sldId id="265" r:id="rId11"/>
+    <p:sldId id="266" r:id="rId12"/>
+    <p:sldId id="267" r:id="rId13"/>
+    <p:sldId id="268" r:id="rId14"/>
   </p:sldIdLst>
   <p:sldSz cx="12192000" cy="6858000"/>
   <p:notesSz cx="6858000" cy="9144000"/>
@@ -7768,6 +7774,346 @@
 </p:sld>
 </file>
 
+<file path=ppt/slides/slide10.xml><?xml version="1.0" encoding="utf-8"?>
+<p:sld xmlns:a="http://schemas.openxmlformats.org/drawingml/2006/main" xmlns:r="http://schemas.openxmlformats.org/officeDocument/2006/relationships" xmlns:p="http://schemas.openxmlformats.org/presentationml/2006/main">
+  <p:cSld>
+    <p:spTree>
+      <p:nvGrpSpPr>
+        <p:cNvPr id="1" name=""/>
+        <p:cNvGrpSpPr/>
+        <p:nvPr/>
+      </p:nvGrpSpPr>
+      <p:grpSpPr>
+        <a:xfrm>
+          <a:off x="0" y="0"/>
+          <a:ext cx="0" cy="0"/>
+          <a:chOff x="0" y="0"/>
+          <a:chExt cx="0" cy="0"/>
+        </a:xfrm>
+      </p:grpSpPr>
+      <p:sp>
+        <p:nvSpPr>
+          <p:cNvPr id="2" name="Title 1">
+            <a:extLst>
+              <a:ext uri="{FF2B5EF4-FFF2-40B4-BE49-F238E27FC236}">
+                <a16:creationId xmlns:a16="http://schemas.microsoft.com/office/drawing/2014/main" id="{FCEA22D6-07AF-4251-B783-96984A41F605}"/>
+              </a:ext>
+            </a:extLst>
+          </p:cNvPr>
+          <p:cNvSpPr>
+            <a:spLocks noGrp="1"/>
+          </p:cNvSpPr>
+          <p:nvPr>
+            <p:ph type="title"/>
+          </p:nvPr>
+        </p:nvSpPr>
+        <p:spPr/>
+        <p:txBody>
+          <a:bodyPr/>
+          <a:lstStyle/>
+          <a:p>
+            <a:endParaRPr lang="lt-LT"/>
+          </a:p>
+        </p:txBody>
+      </p:sp>
+      <p:pic>
+        <p:nvPicPr>
+          <p:cNvPr id="4" name="Picture 3">
+            <a:extLst>
+              <a:ext uri="{FF2B5EF4-FFF2-40B4-BE49-F238E27FC236}">
+                <a16:creationId xmlns:a16="http://schemas.microsoft.com/office/drawing/2014/main" id="{780C3D75-4DA0-4195-B7F8-9BD941214E74}"/>
+              </a:ext>
+            </a:extLst>
+          </p:cNvPr>
+          <p:cNvPicPr>
+            <a:picLocks noChangeAspect="1"/>
+          </p:cNvPicPr>
+          <p:nvPr/>
+        </p:nvPicPr>
+        <p:blipFill>
+          <a:blip r:embed="rId2"/>
+          <a:stretch>
+            <a:fillRect/>
+          </a:stretch>
+        </p:blipFill>
+        <p:spPr>
+          <a:xfrm>
+            <a:off x="0" y="0"/>
+            <a:ext cx="12192000" cy="6858000"/>
+          </a:xfrm>
+          <a:prstGeom prst="rect">
+            <a:avLst/>
+          </a:prstGeom>
+        </p:spPr>
+      </p:pic>
+    </p:spTree>
+    <p:extLst>
+      <p:ext uri="{BB962C8B-B14F-4D97-AF65-F5344CB8AC3E}">
+        <p14:creationId xmlns:p14="http://schemas.microsoft.com/office/powerpoint/2010/main" val="1065044865"/>
+      </p:ext>
+    </p:extLst>
+  </p:cSld>
+  <p:clrMapOvr>
+    <a:masterClrMapping/>
+  </p:clrMapOvr>
+</p:sld>
+</file>
+
+<file path=ppt/slides/slide11.xml><?xml version="1.0" encoding="utf-8"?>
+<p:sld xmlns:a="http://schemas.openxmlformats.org/drawingml/2006/main" xmlns:r="http://schemas.openxmlformats.org/officeDocument/2006/relationships" xmlns:p="http://schemas.openxmlformats.org/presentationml/2006/main">
+  <p:cSld>
+    <p:spTree>
+      <p:nvGrpSpPr>
+        <p:cNvPr id="1" name=""/>
+        <p:cNvGrpSpPr/>
+        <p:nvPr/>
+      </p:nvGrpSpPr>
+      <p:grpSpPr>
+        <a:xfrm>
+          <a:off x="0" y="0"/>
+          <a:ext cx="0" cy="0"/>
+          <a:chOff x="0" y="0"/>
+          <a:chExt cx="0" cy="0"/>
+        </a:xfrm>
+      </p:grpSpPr>
+      <p:sp>
+        <p:nvSpPr>
+          <p:cNvPr id="2" name="Title 1">
+            <a:extLst>
+              <a:ext uri="{FF2B5EF4-FFF2-40B4-BE49-F238E27FC236}">
+                <a16:creationId xmlns:a16="http://schemas.microsoft.com/office/drawing/2014/main" id="{FCEA22D6-07AF-4251-B783-96984A41F605}"/>
+              </a:ext>
+            </a:extLst>
+          </p:cNvPr>
+          <p:cNvSpPr>
+            <a:spLocks noGrp="1"/>
+          </p:cNvSpPr>
+          <p:nvPr>
+            <p:ph type="title"/>
+          </p:nvPr>
+        </p:nvSpPr>
+        <p:spPr/>
+        <p:txBody>
+          <a:bodyPr/>
+          <a:lstStyle/>
+          <a:p>
+            <a:endParaRPr lang="lt-LT"/>
+          </a:p>
+        </p:txBody>
+      </p:sp>
+      <p:pic>
+        <p:nvPicPr>
+          <p:cNvPr id="3" name="Picture 2">
+            <a:extLst>
+              <a:ext uri="{FF2B5EF4-FFF2-40B4-BE49-F238E27FC236}">
+                <a16:creationId xmlns:a16="http://schemas.microsoft.com/office/drawing/2014/main" id="{9BE9996F-41BB-4B3F-A9E5-56BEC02CD344}"/>
+              </a:ext>
+            </a:extLst>
+          </p:cNvPr>
+          <p:cNvPicPr>
+            <a:picLocks noChangeAspect="1"/>
+          </p:cNvPicPr>
+          <p:nvPr/>
+        </p:nvPicPr>
+        <p:blipFill>
+          <a:blip r:embed="rId2"/>
+          <a:stretch>
+            <a:fillRect/>
+          </a:stretch>
+        </p:blipFill>
+        <p:spPr>
+          <a:xfrm>
+            <a:off x="0" y="0"/>
+            <a:ext cx="12192000" cy="6858000"/>
+          </a:xfrm>
+          <a:prstGeom prst="rect">
+            <a:avLst/>
+          </a:prstGeom>
+        </p:spPr>
+      </p:pic>
+    </p:spTree>
+    <p:extLst>
+      <p:ext uri="{BB962C8B-B14F-4D97-AF65-F5344CB8AC3E}">
+        <p14:creationId xmlns:p14="http://schemas.microsoft.com/office/powerpoint/2010/main" val="3727044037"/>
+      </p:ext>
+    </p:extLst>
+  </p:cSld>
+  <p:clrMapOvr>
+    <a:masterClrMapping/>
+  </p:clrMapOvr>
+</p:sld>
+</file>
+
+<file path=ppt/slides/slide12.xml><?xml version="1.0" encoding="utf-8"?>
+<p:sld xmlns:a="http://schemas.openxmlformats.org/drawingml/2006/main" xmlns:r="http://schemas.openxmlformats.org/officeDocument/2006/relationships" xmlns:p="http://schemas.openxmlformats.org/presentationml/2006/main">
+  <p:cSld>
+    <p:spTree>
+      <p:nvGrpSpPr>
+        <p:cNvPr id="1" name=""/>
+        <p:cNvGrpSpPr/>
+        <p:nvPr/>
+      </p:nvGrpSpPr>
+      <p:grpSpPr>
+        <a:xfrm>
+          <a:off x="0" y="0"/>
+          <a:ext cx="0" cy="0"/>
+          <a:chOff x="0" y="0"/>
+          <a:chExt cx="0" cy="0"/>
+        </a:xfrm>
+      </p:grpSpPr>
+      <p:sp>
+        <p:nvSpPr>
+          <p:cNvPr id="2" name="Title 1">
+            <a:extLst>
+              <a:ext uri="{FF2B5EF4-FFF2-40B4-BE49-F238E27FC236}">
+                <a16:creationId xmlns:a16="http://schemas.microsoft.com/office/drawing/2014/main" id="{FCEA22D6-07AF-4251-B783-96984A41F605}"/>
+              </a:ext>
+            </a:extLst>
+          </p:cNvPr>
+          <p:cNvSpPr>
+            <a:spLocks noGrp="1"/>
+          </p:cNvSpPr>
+          <p:nvPr>
+            <p:ph type="title"/>
+          </p:nvPr>
+        </p:nvSpPr>
+        <p:spPr/>
+        <p:txBody>
+          <a:bodyPr/>
+          <a:lstStyle/>
+          <a:p>
+            <a:endParaRPr lang="lt-LT"/>
+          </a:p>
+        </p:txBody>
+      </p:sp>
+      <p:pic>
+        <p:nvPicPr>
+          <p:cNvPr id="4" name="Picture 3">
+            <a:extLst>
+              <a:ext uri="{FF2B5EF4-FFF2-40B4-BE49-F238E27FC236}">
+                <a16:creationId xmlns:a16="http://schemas.microsoft.com/office/drawing/2014/main" id="{98A4C4EA-F66E-4580-B075-15F4761D738F}"/>
+              </a:ext>
+            </a:extLst>
+          </p:cNvPr>
+          <p:cNvPicPr>
+            <a:picLocks noChangeAspect="1"/>
+          </p:cNvPicPr>
+          <p:nvPr/>
+        </p:nvPicPr>
+        <p:blipFill>
+          <a:blip r:embed="rId2"/>
+          <a:stretch>
+            <a:fillRect/>
+          </a:stretch>
+        </p:blipFill>
+        <p:spPr>
+          <a:xfrm>
+            <a:off x="0" y="0"/>
+            <a:ext cx="12192000" cy="6858000"/>
+          </a:xfrm>
+          <a:prstGeom prst="rect">
+            <a:avLst/>
+          </a:prstGeom>
+        </p:spPr>
+      </p:pic>
+    </p:spTree>
+    <p:extLst>
+      <p:ext uri="{BB962C8B-B14F-4D97-AF65-F5344CB8AC3E}">
+        <p14:creationId xmlns:p14="http://schemas.microsoft.com/office/powerpoint/2010/main" val="4114470234"/>
+      </p:ext>
+    </p:extLst>
+  </p:cSld>
+  <p:clrMapOvr>
+    <a:masterClrMapping/>
+  </p:clrMapOvr>
+</p:sld>
+</file>
+
+<file path=ppt/slides/slide13.xml><?xml version="1.0" encoding="utf-8"?>
+<p:sld xmlns:a="http://schemas.openxmlformats.org/drawingml/2006/main" xmlns:r="http://schemas.openxmlformats.org/officeDocument/2006/relationships" xmlns:p="http://schemas.openxmlformats.org/presentationml/2006/main">
+  <p:cSld>
+    <p:spTree>
+      <p:nvGrpSpPr>
+        <p:cNvPr id="1" name=""/>
+        <p:cNvGrpSpPr/>
+        <p:nvPr/>
+      </p:nvGrpSpPr>
+      <p:grpSpPr>
+        <a:xfrm>
+          <a:off x="0" y="0"/>
+          <a:ext cx="0" cy="0"/>
+          <a:chOff x="0" y="0"/>
+          <a:chExt cx="0" cy="0"/>
+        </a:xfrm>
+      </p:grpSpPr>
+      <p:sp>
+        <p:nvSpPr>
+          <p:cNvPr id="2" name="Title 1">
+            <a:extLst>
+              <a:ext uri="{FF2B5EF4-FFF2-40B4-BE49-F238E27FC236}">
+                <a16:creationId xmlns:a16="http://schemas.microsoft.com/office/drawing/2014/main" id="{FCEA22D6-07AF-4251-B783-96984A41F605}"/>
+              </a:ext>
+            </a:extLst>
+          </p:cNvPr>
+          <p:cNvSpPr>
+            <a:spLocks noGrp="1"/>
+          </p:cNvSpPr>
+          <p:nvPr>
+            <p:ph type="title"/>
+          </p:nvPr>
+        </p:nvSpPr>
+        <p:spPr/>
+        <p:txBody>
+          <a:bodyPr/>
+          <a:lstStyle/>
+          <a:p>
+            <a:endParaRPr lang="lt-LT"/>
+          </a:p>
+        </p:txBody>
+      </p:sp>
+      <p:pic>
+        <p:nvPicPr>
+          <p:cNvPr id="3" name="Picture 2">
+            <a:extLst>
+              <a:ext uri="{FF2B5EF4-FFF2-40B4-BE49-F238E27FC236}">
+                <a16:creationId xmlns:a16="http://schemas.microsoft.com/office/drawing/2014/main" id="{C4B1E502-FCCE-4A6C-800E-61425F507C39}"/>
+              </a:ext>
+            </a:extLst>
+          </p:cNvPr>
+          <p:cNvPicPr>
+            <a:picLocks noChangeAspect="1"/>
+          </p:cNvPicPr>
+          <p:nvPr/>
+        </p:nvPicPr>
+        <p:blipFill>
+          <a:blip r:embed="rId2"/>
+          <a:stretch>
+            <a:fillRect/>
+          </a:stretch>
+        </p:blipFill>
+        <p:spPr>
+          <a:xfrm>
+            <a:off x="0" y="0"/>
+            <a:ext cx="12192000" cy="6858000"/>
+          </a:xfrm>
+          <a:prstGeom prst="rect">
+            <a:avLst/>
+          </a:prstGeom>
+        </p:spPr>
+      </p:pic>
+    </p:spTree>
+    <p:extLst>
+      <p:ext uri="{BB962C8B-B14F-4D97-AF65-F5344CB8AC3E}">
+        <p14:creationId xmlns:p14="http://schemas.microsoft.com/office/powerpoint/2010/main" val="1822717442"/>
+      </p:ext>
+    </p:extLst>
+  </p:cSld>
+  <p:clrMapOvr>
+    <a:masterClrMapping/>
+  </p:clrMapOvr>
+</p:sld>
+</file>
+
 <file path=ppt/slides/slide2.xml><?xml version="1.0" encoding="utf-8"?>
 <p:sld xmlns:a="http://schemas.openxmlformats.org/drawingml/2006/main" xmlns:r="http://schemas.openxmlformats.org/officeDocument/2006/relationships" xmlns:p="http://schemas.openxmlformats.org/presentationml/2006/main">
   <p:cSld>
@@ -10046,6 +10392,176 @@
     <p:extLst>
       <p:ext uri="{BB962C8B-B14F-4D97-AF65-F5344CB8AC3E}">
         <p14:creationId xmlns:p14="http://schemas.microsoft.com/office/powerpoint/2010/main" val="3725322450"/>
+      </p:ext>
+    </p:extLst>
+  </p:cSld>
+  <p:clrMapOvr>
+    <a:masterClrMapping/>
+  </p:clrMapOvr>
+</p:sld>
+</file>
+
+<file path=ppt/slides/slide8.xml><?xml version="1.0" encoding="utf-8"?>
+<p:sld xmlns:a="http://schemas.openxmlformats.org/drawingml/2006/main" xmlns:r="http://schemas.openxmlformats.org/officeDocument/2006/relationships" xmlns:p="http://schemas.openxmlformats.org/presentationml/2006/main">
+  <p:cSld>
+    <p:spTree>
+      <p:nvGrpSpPr>
+        <p:cNvPr id="1" name=""/>
+        <p:cNvGrpSpPr/>
+        <p:nvPr/>
+      </p:nvGrpSpPr>
+      <p:grpSpPr>
+        <a:xfrm>
+          <a:off x="0" y="0"/>
+          <a:ext cx="0" cy="0"/>
+          <a:chOff x="0" y="0"/>
+          <a:chExt cx="0" cy="0"/>
+        </a:xfrm>
+      </p:grpSpPr>
+      <p:sp>
+        <p:nvSpPr>
+          <p:cNvPr id="2" name="Title 1">
+            <a:extLst>
+              <a:ext uri="{FF2B5EF4-FFF2-40B4-BE49-F238E27FC236}">
+                <a16:creationId xmlns:a16="http://schemas.microsoft.com/office/drawing/2014/main" id="{FCEA22D6-07AF-4251-B783-96984A41F605}"/>
+              </a:ext>
+            </a:extLst>
+          </p:cNvPr>
+          <p:cNvSpPr>
+            <a:spLocks noGrp="1"/>
+          </p:cNvSpPr>
+          <p:nvPr>
+            <p:ph type="title"/>
+          </p:nvPr>
+        </p:nvSpPr>
+        <p:spPr/>
+        <p:txBody>
+          <a:bodyPr/>
+          <a:lstStyle/>
+          <a:p>
+            <a:endParaRPr lang="lt-LT"/>
+          </a:p>
+        </p:txBody>
+      </p:sp>
+      <p:pic>
+        <p:nvPicPr>
+          <p:cNvPr id="4" name="Picture 3">
+            <a:extLst>
+              <a:ext uri="{FF2B5EF4-FFF2-40B4-BE49-F238E27FC236}">
+                <a16:creationId xmlns:a16="http://schemas.microsoft.com/office/drawing/2014/main" id="{5E7A8124-52DD-4924-B001-FCA4BC2EEDE2}"/>
+              </a:ext>
+            </a:extLst>
+          </p:cNvPr>
+          <p:cNvPicPr>
+            <a:picLocks noChangeAspect="1"/>
+          </p:cNvPicPr>
+          <p:nvPr/>
+        </p:nvPicPr>
+        <p:blipFill>
+          <a:blip r:embed="rId2"/>
+          <a:stretch>
+            <a:fillRect/>
+          </a:stretch>
+        </p:blipFill>
+        <p:spPr>
+          <a:xfrm>
+            <a:off x="0" y="0"/>
+            <a:ext cx="12192000" cy="6858000"/>
+          </a:xfrm>
+          <a:prstGeom prst="rect">
+            <a:avLst/>
+          </a:prstGeom>
+        </p:spPr>
+      </p:pic>
+    </p:spTree>
+    <p:extLst>
+      <p:ext uri="{BB962C8B-B14F-4D97-AF65-F5344CB8AC3E}">
+        <p14:creationId xmlns:p14="http://schemas.microsoft.com/office/powerpoint/2010/main" val="1356254473"/>
+      </p:ext>
+    </p:extLst>
+  </p:cSld>
+  <p:clrMapOvr>
+    <a:masterClrMapping/>
+  </p:clrMapOvr>
+</p:sld>
+</file>
+
+<file path=ppt/slides/slide9.xml><?xml version="1.0" encoding="utf-8"?>
+<p:sld xmlns:a="http://schemas.openxmlformats.org/drawingml/2006/main" xmlns:r="http://schemas.openxmlformats.org/officeDocument/2006/relationships" xmlns:p="http://schemas.openxmlformats.org/presentationml/2006/main">
+  <p:cSld>
+    <p:spTree>
+      <p:nvGrpSpPr>
+        <p:cNvPr id="1" name=""/>
+        <p:cNvGrpSpPr/>
+        <p:nvPr/>
+      </p:nvGrpSpPr>
+      <p:grpSpPr>
+        <a:xfrm>
+          <a:off x="0" y="0"/>
+          <a:ext cx="0" cy="0"/>
+          <a:chOff x="0" y="0"/>
+          <a:chExt cx="0" cy="0"/>
+        </a:xfrm>
+      </p:grpSpPr>
+      <p:sp>
+        <p:nvSpPr>
+          <p:cNvPr id="2" name="Title 1">
+            <a:extLst>
+              <a:ext uri="{FF2B5EF4-FFF2-40B4-BE49-F238E27FC236}">
+                <a16:creationId xmlns:a16="http://schemas.microsoft.com/office/drawing/2014/main" id="{FCEA22D6-07AF-4251-B783-96984A41F605}"/>
+              </a:ext>
+            </a:extLst>
+          </p:cNvPr>
+          <p:cNvSpPr>
+            <a:spLocks noGrp="1"/>
+          </p:cNvSpPr>
+          <p:nvPr>
+            <p:ph type="title"/>
+          </p:nvPr>
+        </p:nvSpPr>
+        <p:spPr/>
+        <p:txBody>
+          <a:bodyPr/>
+          <a:lstStyle/>
+          <a:p>
+            <a:endParaRPr lang="lt-LT"/>
+          </a:p>
+        </p:txBody>
+      </p:sp>
+      <p:pic>
+        <p:nvPicPr>
+          <p:cNvPr id="3" name="Picture 2">
+            <a:extLst>
+              <a:ext uri="{FF2B5EF4-FFF2-40B4-BE49-F238E27FC236}">
+                <a16:creationId xmlns:a16="http://schemas.microsoft.com/office/drawing/2014/main" id="{553C0E7B-CA15-4695-8694-7F8DF5EDB260}"/>
+              </a:ext>
+            </a:extLst>
+          </p:cNvPr>
+          <p:cNvPicPr>
+            <a:picLocks noChangeAspect="1"/>
+          </p:cNvPicPr>
+          <p:nvPr/>
+        </p:nvPicPr>
+        <p:blipFill>
+          <a:blip r:embed="rId2"/>
+          <a:stretch>
+            <a:fillRect/>
+          </a:stretch>
+        </p:blipFill>
+        <p:spPr>
+          <a:xfrm>
+            <a:off x="0" y="0"/>
+            <a:ext cx="12192000" cy="6858000"/>
+          </a:xfrm>
+          <a:prstGeom prst="rect">
+            <a:avLst/>
+          </a:prstGeom>
+        </p:spPr>
+      </p:pic>
+    </p:spTree>
+    <p:extLst>
+      <p:ext uri="{BB962C8B-B14F-4D97-AF65-F5344CB8AC3E}">
+        <p14:creationId xmlns:p14="http://schemas.microsoft.com/office/powerpoint/2010/main" val="1953775478"/>
       </p:ext>
     </p:extLst>
   </p:cSld>

--- a/Bets4You Pristatymas.pptx
+++ b/Bets4You Pristatymas.pptx
@@ -18,6 +18,7 @@
     <p:sldId id="266" r:id="rId12"/>
     <p:sldId id="267" r:id="rId13"/>
     <p:sldId id="268" r:id="rId14"/>
+    <p:sldId id="269" r:id="rId15"/>
   </p:sldIdLst>
   <p:sldSz cx="12192000" cy="6858000"/>
   <p:notesSz cx="6858000" cy="9144000"/>
@@ -8114,6 +8115,91 @@
 </p:sld>
 </file>
 
+<file path=ppt/slides/slide14.xml><?xml version="1.0" encoding="utf-8"?>
+<p:sld xmlns:a="http://schemas.openxmlformats.org/drawingml/2006/main" xmlns:r="http://schemas.openxmlformats.org/officeDocument/2006/relationships" xmlns:p="http://schemas.openxmlformats.org/presentationml/2006/main">
+  <p:cSld>
+    <p:spTree>
+      <p:nvGrpSpPr>
+        <p:cNvPr id="1" name=""/>
+        <p:cNvGrpSpPr/>
+        <p:nvPr/>
+      </p:nvGrpSpPr>
+      <p:grpSpPr>
+        <a:xfrm>
+          <a:off x="0" y="0"/>
+          <a:ext cx="0" cy="0"/>
+          <a:chOff x="0" y="0"/>
+          <a:chExt cx="0" cy="0"/>
+        </a:xfrm>
+      </p:grpSpPr>
+      <p:sp>
+        <p:nvSpPr>
+          <p:cNvPr id="2" name="Title 1">
+            <a:extLst>
+              <a:ext uri="{FF2B5EF4-FFF2-40B4-BE49-F238E27FC236}">
+                <a16:creationId xmlns:a16="http://schemas.microsoft.com/office/drawing/2014/main" id="{FCEA22D6-07AF-4251-B783-96984A41F605}"/>
+              </a:ext>
+            </a:extLst>
+          </p:cNvPr>
+          <p:cNvSpPr>
+            <a:spLocks noGrp="1"/>
+          </p:cNvSpPr>
+          <p:nvPr>
+            <p:ph type="title"/>
+          </p:nvPr>
+        </p:nvSpPr>
+        <p:spPr/>
+        <p:txBody>
+          <a:bodyPr/>
+          <a:lstStyle/>
+          <a:p>
+            <a:endParaRPr lang="lt-LT"/>
+          </a:p>
+        </p:txBody>
+      </p:sp>
+      <p:pic>
+        <p:nvPicPr>
+          <p:cNvPr id="4" name="Picture 3">
+            <a:extLst>
+              <a:ext uri="{FF2B5EF4-FFF2-40B4-BE49-F238E27FC236}">
+                <a16:creationId xmlns:a16="http://schemas.microsoft.com/office/drawing/2014/main" id="{552E701C-A1DF-429A-9963-A9F3D4972D13}"/>
+              </a:ext>
+            </a:extLst>
+          </p:cNvPr>
+          <p:cNvPicPr>
+            <a:picLocks noChangeAspect="1"/>
+          </p:cNvPicPr>
+          <p:nvPr/>
+        </p:nvPicPr>
+        <p:blipFill>
+          <a:blip r:embed="rId2"/>
+          <a:stretch>
+            <a:fillRect/>
+          </a:stretch>
+        </p:blipFill>
+        <p:spPr>
+          <a:xfrm>
+            <a:off x="0" y="0"/>
+            <a:ext cx="12192000" cy="6858000"/>
+          </a:xfrm>
+          <a:prstGeom prst="rect">
+            <a:avLst/>
+          </a:prstGeom>
+        </p:spPr>
+      </p:pic>
+    </p:spTree>
+    <p:extLst>
+      <p:ext uri="{BB962C8B-B14F-4D97-AF65-F5344CB8AC3E}">
+        <p14:creationId xmlns:p14="http://schemas.microsoft.com/office/powerpoint/2010/main" val="2123307819"/>
+      </p:ext>
+    </p:extLst>
+  </p:cSld>
+  <p:clrMapOvr>
+    <a:masterClrMapping/>
+  </p:clrMapOvr>
+</p:sld>
+</file>
+
 <file path=ppt/slides/slide2.xml><?xml version="1.0" encoding="utf-8"?>
 <p:sld xmlns:a="http://schemas.openxmlformats.org/drawingml/2006/main" xmlns:r="http://schemas.openxmlformats.org/officeDocument/2006/relationships" xmlns:p="http://schemas.openxmlformats.org/presentationml/2006/main">
   <p:cSld>

--- a/Bets4You Pristatymas.pptx
+++ b/Bets4You Pristatymas.pptx
@@ -12,13 +12,27 @@
     <p:sldId id="259" r:id="rId6"/>
     <p:sldId id="260" r:id="rId7"/>
     <p:sldId id="261" r:id="rId8"/>
-    <p:sldId id="263" r:id="rId9"/>
-    <p:sldId id="264" r:id="rId10"/>
-    <p:sldId id="265" r:id="rId11"/>
-    <p:sldId id="266" r:id="rId12"/>
-    <p:sldId id="267" r:id="rId13"/>
-    <p:sldId id="268" r:id="rId14"/>
-    <p:sldId id="269" r:id="rId15"/>
+    <p:sldId id="270" r:id="rId9"/>
+    <p:sldId id="269" r:id="rId10"/>
+    <p:sldId id="271" r:id="rId11"/>
+    <p:sldId id="277" r:id="rId12"/>
+    <p:sldId id="263" r:id="rId13"/>
+    <p:sldId id="272" r:id="rId14"/>
+    <p:sldId id="278" r:id="rId15"/>
+    <p:sldId id="264" r:id="rId16"/>
+    <p:sldId id="273" r:id="rId17"/>
+    <p:sldId id="279" r:id="rId18"/>
+    <p:sldId id="265" r:id="rId19"/>
+    <p:sldId id="274" r:id="rId20"/>
+    <p:sldId id="280" r:id="rId21"/>
+    <p:sldId id="266" r:id="rId22"/>
+    <p:sldId id="275" r:id="rId23"/>
+    <p:sldId id="281" r:id="rId24"/>
+    <p:sldId id="267" r:id="rId25"/>
+    <p:sldId id="276" r:id="rId26"/>
+    <p:sldId id="282" r:id="rId27"/>
+    <p:sldId id="268" r:id="rId28"/>
+    <p:sldId id="283" r:id="rId29"/>
   </p:sldIdLst>
   <p:sldSz cx="12192000" cy="6858000"/>
   <p:notesSz cx="6858000" cy="9144000"/>
@@ -7797,7 +7811,7 @@
           <p:cNvPr id="2" name="Title 1">
             <a:extLst>
               <a:ext uri="{FF2B5EF4-FFF2-40B4-BE49-F238E27FC236}">
-                <a16:creationId xmlns:a16="http://schemas.microsoft.com/office/drawing/2014/main" id="{FCEA22D6-07AF-4251-B783-96984A41F605}"/>
+                <a16:creationId xmlns:a16="http://schemas.microsoft.com/office/drawing/2014/main" id="{6AFA34A1-98AC-4DB6-86AC-DC60C4653CC1}"/>
               </a:ext>
             </a:extLst>
           </p:cNvPr>
@@ -7813,44 +7827,51 @@
           <a:bodyPr/>
           <a:lstStyle/>
           <a:p>
-            <a:endParaRPr lang="lt-LT"/>
-          </a:p>
-        </p:txBody>
-      </p:sp>
-      <p:pic>
-        <p:nvPicPr>
-          <p:cNvPr id="4" name="Picture 3">
+            <a:r>
+              <a:rPr lang="lt-LT" dirty="0"/>
+              <a:t>Metodas: </a:t>
+            </a:r>
+            <a:r>
+              <a:rPr lang="lt-LT" b="1" dirty="0"/>
+              <a:t>AllBets()</a:t>
+            </a:r>
+          </a:p>
+        </p:txBody>
+      </p:sp>
+      <p:sp>
+        <p:nvSpPr>
+          <p:cNvPr id="3" name="Content Placeholder 2">
             <a:extLst>
               <a:ext uri="{FF2B5EF4-FFF2-40B4-BE49-F238E27FC236}">
-                <a16:creationId xmlns:a16="http://schemas.microsoft.com/office/drawing/2014/main" id="{780C3D75-4DA0-4195-B7F8-9BD941214E74}"/>
+                <a16:creationId xmlns:a16="http://schemas.microsoft.com/office/drawing/2014/main" id="{BECCEAAF-DDD6-4193-B20A-44E1BECA0195}"/>
               </a:ext>
             </a:extLst>
           </p:cNvPr>
-          <p:cNvPicPr>
-            <a:picLocks noChangeAspect="1"/>
-          </p:cNvPicPr>
-          <p:nvPr/>
-        </p:nvPicPr>
-        <p:blipFill>
-          <a:blip r:embed="rId2"/>
-          <a:stretch>
-            <a:fillRect/>
-          </a:stretch>
-        </p:blipFill>
-        <p:spPr>
-          <a:xfrm>
-            <a:off x="0" y="0"/>
-            <a:ext cx="12192000" cy="6858000"/>
-          </a:xfrm>
-          <a:prstGeom prst="rect">
-            <a:avLst/>
-          </a:prstGeom>
-        </p:spPr>
-      </p:pic>
+          <p:cNvSpPr>
+            <a:spLocks noGrp="1"/>
+          </p:cNvSpPr>
+          <p:nvPr>
+            <p:ph idx="1"/>
+          </p:nvPr>
+        </p:nvSpPr>
+        <p:spPr/>
+        <p:txBody>
+          <a:bodyPr>
+            <a:normAutofit/>
+          </a:bodyPr>
+          <a:lstStyle/>
+          <a:p>
+            <a:r>
+              <a:rPr lang="lt-LT" sz="2400" dirty="0"/>
+              <a:t>Grąžina string tipo kintamąjį, kuriama surašyti visi galimi statymai.</a:t>
+            </a:r>
+          </a:p>
+        </p:txBody>
+      </p:sp>
     </p:spTree>
     <p:extLst>
       <p:ext uri="{BB962C8B-B14F-4D97-AF65-F5344CB8AC3E}">
-        <p14:creationId xmlns:p14="http://schemas.microsoft.com/office/powerpoint/2010/main" val="1065044865"/>
+        <p14:creationId xmlns:p14="http://schemas.microsoft.com/office/powerpoint/2010/main" val="541310408"/>
       </p:ext>
     </p:extLst>
   </p:cSld>
@@ -7879,10 +7900,10 @@
       </p:grpSpPr>
       <p:sp>
         <p:nvSpPr>
-          <p:cNvPr id="2" name="Title 1">
+          <p:cNvPr id="3" name="Content Placeholder 2">
             <a:extLst>
               <a:ext uri="{FF2B5EF4-FFF2-40B4-BE49-F238E27FC236}">
-                <a16:creationId xmlns:a16="http://schemas.microsoft.com/office/drawing/2014/main" id="{FCEA22D6-07AF-4251-B783-96984A41F605}"/>
+                <a16:creationId xmlns:a16="http://schemas.microsoft.com/office/drawing/2014/main" id="{DC652DED-C201-4B8A-A69B-438A87EC30DC}"/>
               </a:ext>
             </a:extLst>
           </p:cNvPr>
@@ -7890,52 +7911,144 @@
             <a:spLocks noGrp="1"/>
           </p:cNvSpPr>
           <p:nvPr>
-            <p:ph type="title"/>
-          </p:nvPr>
-        </p:nvSpPr>
-        <p:spPr/>
+            <p:ph idx="1"/>
+          </p:nvPr>
+        </p:nvSpPr>
+        <p:spPr>
+          <a:xfrm>
+            <a:off x="2589212" y="748145"/>
+            <a:ext cx="8915400" cy="5163077"/>
+          </a:xfrm>
+        </p:spPr>
         <p:txBody>
           <a:bodyPr/>
           <a:lstStyle/>
           <a:p>
-            <a:endParaRPr lang="lt-LT"/>
-          </a:p>
-        </p:txBody>
-      </p:sp>
-      <p:pic>
-        <p:nvPicPr>
-          <p:cNvPr id="3" name="Picture 2">
-            <a:extLst>
-              <a:ext uri="{FF2B5EF4-FFF2-40B4-BE49-F238E27FC236}">
-                <a16:creationId xmlns:a16="http://schemas.microsoft.com/office/drawing/2014/main" id="{9BE9996F-41BB-4B3F-A9E5-56BEC02CD344}"/>
-              </a:ext>
-            </a:extLst>
-          </p:cNvPr>
-          <p:cNvPicPr>
-            <a:picLocks noChangeAspect="1"/>
-          </p:cNvPicPr>
-          <p:nvPr/>
-        </p:nvPicPr>
-        <p:blipFill>
-          <a:blip r:embed="rId2"/>
-          <a:stretch>
-            <a:fillRect/>
-          </a:stretch>
-        </p:blipFill>
-        <p:spPr>
-          <a:xfrm>
-            <a:off x="0" y="0"/>
-            <a:ext cx="12192000" cy="6858000"/>
-          </a:xfrm>
-          <a:prstGeom prst="rect">
-            <a:avLst/>
-          </a:prstGeom>
-        </p:spPr>
-      </p:pic>
+            <a:pPr marL="0" indent="0">
+              <a:spcBef>
+                <a:spcPts val="0"/>
+              </a:spcBef>
+              <a:buNone/>
+            </a:pPr>
+            <a:r>
+              <a:rPr lang="lt-LT" dirty="0"/>
+              <a:t>public string AllBets()</a:t>
+            </a:r>
+          </a:p>
+          <a:p>
+            <a:pPr marL="0" indent="0">
+              <a:spcBef>
+                <a:spcPts val="0"/>
+              </a:spcBef>
+              <a:buNone/>
+            </a:pPr>
+            <a:r>
+              <a:rPr lang="lt-LT" dirty="0"/>
+              <a:t>        {</a:t>
+            </a:r>
+          </a:p>
+          <a:p>
+            <a:pPr marL="0" indent="0">
+              <a:spcBef>
+                <a:spcPts val="0"/>
+              </a:spcBef>
+              <a:buNone/>
+            </a:pPr>
+            <a:r>
+              <a:rPr lang="lt-LT" dirty="0"/>
+              <a:t>            bets.Clear();</a:t>
+            </a:r>
+          </a:p>
+          <a:p>
+            <a:pPr marL="0" indent="0">
+              <a:spcBef>
+                <a:spcPts val="0"/>
+              </a:spcBef>
+              <a:buNone/>
+            </a:pPr>
+            <a:r>
+              <a:rPr lang="lt-LT" dirty="0"/>
+              <a:t>            FillData();</a:t>
+            </a:r>
+          </a:p>
+          <a:p>
+            <a:pPr marL="0" indent="0">
+              <a:spcBef>
+                <a:spcPts val="0"/>
+              </a:spcBef>
+              <a:buNone/>
+            </a:pPr>
+            <a:r>
+              <a:rPr lang="lt-LT" dirty="0"/>
+              <a:t>            foreach(Bets b in bets)</a:t>
+            </a:r>
+          </a:p>
+          <a:p>
+            <a:pPr marL="0" indent="0">
+              <a:spcBef>
+                <a:spcPts val="0"/>
+              </a:spcBef>
+              <a:buNone/>
+            </a:pPr>
+            <a:r>
+              <a:rPr lang="lt-LT" dirty="0"/>
+              <a:t>            {</a:t>
+            </a:r>
+          </a:p>
+          <a:p>
+            <a:pPr marL="0" indent="0">
+              <a:spcBef>
+                <a:spcPts val="0"/>
+              </a:spcBef>
+              <a:buNone/>
+            </a:pPr>
+            <a:r>
+              <a:rPr lang="lt-LT" dirty="0"/>
+              <a:t>                result += "Id: " + b.Id + "; BetName: " + b.BetName + "; Category: " + b.Category + "; Date: " + b.Date + "; Coefficient (%): " + b.Coefficient + "; SubmitorName: " + b.SubmitorName + ";";</a:t>
+            </a:r>
+          </a:p>
+          <a:p>
+            <a:pPr marL="0" indent="0">
+              <a:spcBef>
+                <a:spcPts val="0"/>
+              </a:spcBef>
+              <a:buNone/>
+            </a:pPr>
+            <a:r>
+              <a:rPr lang="lt-LT" dirty="0"/>
+              <a:t>            }</a:t>
+            </a:r>
+          </a:p>
+          <a:p>
+            <a:pPr marL="0" indent="0">
+              <a:spcBef>
+                <a:spcPts val="0"/>
+              </a:spcBef>
+              <a:buNone/>
+            </a:pPr>
+            <a:r>
+              <a:rPr lang="lt-LT" dirty="0"/>
+              <a:t>            return result + '\n';</a:t>
+            </a:r>
+          </a:p>
+          <a:p>
+            <a:pPr marL="0" indent="0">
+              <a:spcBef>
+                <a:spcPts val="0"/>
+              </a:spcBef>
+              <a:buNone/>
+            </a:pPr>
+            <a:r>
+              <a:rPr lang="lt-LT" dirty="0"/>
+              <a:t>        }</a:t>
+            </a:r>
+          </a:p>
+        </p:txBody>
+      </p:sp>
     </p:spTree>
     <p:extLst>
       <p:ext uri="{BB962C8B-B14F-4D97-AF65-F5344CB8AC3E}">
-        <p14:creationId xmlns:p14="http://schemas.microsoft.com/office/powerpoint/2010/main" val="3727044037"/>
+        <p14:creationId xmlns:p14="http://schemas.microsoft.com/office/powerpoint/2010/main" val="1956562199"/>
       </p:ext>
     </p:extLst>
   </p:cSld>
@@ -7992,7 +8105,7 @@
           <p:cNvPr id="4" name="Picture 3">
             <a:extLst>
               <a:ext uri="{FF2B5EF4-FFF2-40B4-BE49-F238E27FC236}">
-                <a16:creationId xmlns:a16="http://schemas.microsoft.com/office/drawing/2014/main" id="{98A4C4EA-F66E-4580-B075-15F4761D738F}"/>
+                <a16:creationId xmlns:a16="http://schemas.microsoft.com/office/drawing/2014/main" id="{5E7A8124-52DD-4924-B001-FCA4BC2EEDE2}"/>
               </a:ext>
             </a:extLst>
           </p:cNvPr>
@@ -8001,16 +8114,15 @@
           </p:cNvPicPr>
           <p:nvPr/>
         </p:nvPicPr>
-        <p:blipFill>
+        <p:blipFill rotWithShape="1">
           <a:blip r:embed="rId2"/>
-          <a:stretch>
-            <a:fillRect/>
-          </a:stretch>
+          <a:srcRect b="4947"/>
+          <a:stretch/>
         </p:blipFill>
         <p:spPr>
           <a:xfrm>
             <a:off x="0" y="0"/>
-            <a:ext cx="12192000" cy="6858000"/>
+            <a:ext cx="12192000" cy="6518787"/>
           </a:xfrm>
           <a:prstGeom prst="rect">
             <a:avLst/>
@@ -8020,7 +8132,7 @@
     </p:spTree>
     <p:extLst>
       <p:ext uri="{BB962C8B-B14F-4D97-AF65-F5344CB8AC3E}">
-        <p14:creationId xmlns:p14="http://schemas.microsoft.com/office/powerpoint/2010/main" val="4114470234"/>
+        <p14:creationId xmlns:p14="http://schemas.microsoft.com/office/powerpoint/2010/main" val="1356254473"/>
       </p:ext>
     </p:extLst>
   </p:cSld>
@@ -8052,7 +8164,7 @@
           <p:cNvPr id="2" name="Title 1">
             <a:extLst>
               <a:ext uri="{FF2B5EF4-FFF2-40B4-BE49-F238E27FC236}">
-                <a16:creationId xmlns:a16="http://schemas.microsoft.com/office/drawing/2014/main" id="{FCEA22D6-07AF-4251-B783-96984A41F605}"/>
+                <a16:creationId xmlns:a16="http://schemas.microsoft.com/office/drawing/2014/main" id="{6AFA34A1-98AC-4DB6-86AC-DC60C4653CC1}"/>
               </a:ext>
             </a:extLst>
           </p:cNvPr>
@@ -8068,44 +8180,78 @@
           <a:bodyPr/>
           <a:lstStyle/>
           <a:p>
-            <a:endParaRPr lang="lt-LT"/>
-          </a:p>
-        </p:txBody>
-      </p:sp>
-      <p:pic>
-        <p:nvPicPr>
-          <p:cNvPr id="3" name="Picture 2">
+            <a:r>
+              <a:rPr lang="lt-LT" dirty="0"/>
+              <a:t>Metodas: </a:t>
+            </a:r>
+            <a:r>
+              <a:rPr lang="lt-LT" b="1" dirty="0"/>
+              <a:t>CalcBet(int betId, int money, string reg)</a:t>
+            </a:r>
+          </a:p>
+        </p:txBody>
+      </p:sp>
+      <p:sp>
+        <p:nvSpPr>
+          <p:cNvPr id="3" name="Content Placeholder 2">
             <a:extLst>
               <a:ext uri="{FF2B5EF4-FFF2-40B4-BE49-F238E27FC236}">
-                <a16:creationId xmlns:a16="http://schemas.microsoft.com/office/drawing/2014/main" id="{C4B1E502-FCCE-4A6C-800E-61425F507C39}"/>
+                <a16:creationId xmlns:a16="http://schemas.microsoft.com/office/drawing/2014/main" id="{BECCEAAF-DDD6-4193-B20A-44E1BECA0195}"/>
               </a:ext>
             </a:extLst>
           </p:cNvPr>
-          <p:cNvPicPr>
-            <a:picLocks noChangeAspect="1"/>
-          </p:cNvPicPr>
-          <p:nvPr/>
-        </p:nvPicPr>
-        <p:blipFill>
-          <a:blip r:embed="rId2"/>
-          <a:stretch>
-            <a:fillRect/>
-          </a:stretch>
-        </p:blipFill>
-        <p:spPr>
-          <a:xfrm>
-            <a:off x="0" y="0"/>
-            <a:ext cx="12192000" cy="6858000"/>
-          </a:xfrm>
-          <a:prstGeom prst="rect">
-            <a:avLst/>
-          </a:prstGeom>
-        </p:spPr>
-      </p:pic>
+          <p:cNvSpPr>
+            <a:spLocks noGrp="1"/>
+          </p:cNvSpPr>
+          <p:nvPr>
+            <p:ph idx="1"/>
+          </p:nvPr>
+        </p:nvSpPr>
+        <p:spPr/>
+        <p:txBody>
+          <a:bodyPr>
+            <a:normAutofit/>
+          </a:bodyPr>
+          <a:lstStyle/>
+          <a:p>
+            <a:r>
+              <a:rPr lang="lt-LT" sz="2400" dirty="0"/>
+              <a:t>Grąžina string tipo kintamąjį, kuriama surašyta, koks statymas buvo pasirinktas ir kokia bus poteciali laimėta suma pagal pasirinktą regioną.</a:t>
+            </a:r>
+          </a:p>
+          <a:p>
+            <a:pPr marL="0" indent="0">
+              <a:buNone/>
+            </a:pPr>
+            <a:r>
+              <a:rPr lang="lt-LT" sz="2400" b="1" dirty="0"/>
+              <a:t>Parametrai:</a:t>
+            </a:r>
+          </a:p>
+          <a:p>
+            <a:r>
+              <a:rPr lang="lt-LT" sz="2400" dirty="0"/>
+              <a:t>betId – statymo numeris</a:t>
+            </a:r>
+          </a:p>
+          <a:p>
+            <a:r>
+              <a:rPr lang="lt-LT" sz="2400" dirty="0"/>
+              <a:t>money – įnašas</a:t>
+            </a:r>
+          </a:p>
+          <a:p>
+            <a:r>
+              <a:rPr lang="lt-LT" sz="2400" dirty="0"/>
+              <a:t>reg - regionas</a:t>
+            </a:r>
+          </a:p>
+        </p:txBody>
+      </p:sp>
     </p:spTree>
     <p:extLst>
       <p:ext uri="{BB962C8B-B14F-4D97-AF65-F5344CB8AC3E}">
-        <p14:creationId xmlns:p14="http://schemas.microsoft.com/office/powerpoint/2010/main" val="1822717442"/>
+        <p14:creationId xmlns:p14="http://schemas.microsoft.com/office/powerpoint/2010/main" val="4144101410"/>
       </p:ext>
     </p:extLst>
   </p:cSld>
@@ -8134,6 +8280,221 @@
       </p:grpSpPr>
       <p:sp>
         <p:nvSpPr>
+          <p:cNvPr id="3" name="Content Placeholder 2">
+            <a:extLst>
+              <a:ext uri="{FF2B5EF4-FFF2-40B4-BE49-F238E27FC236}">
+                <a16:creationId xmlns:a16="http://schemas.microsoft.com/office/drawing/2014/main" id="{DC652DED-C201-4B8A-A69B-438A87EC30DC}"/>
+              </a:ext>
+            </a:extLst>
+          </p:cNvPr>
+          <p:cNvSpPr>
+            <a:spLocks noGrp="1"/>
+          </p:cNvSpPr>
+          <p:nvPr>
+            <p:ph idx="1"/>
+          </p:nvPr>
+        </p:nvSpPr>
+        <p:spPr>
+          <a:xfrm>
+            <a:off x="2589212" y="748145"/>
+            <a:ext cx="8915400" cy="5163077"/>
+          </a:xfrm>
+        </p:spPr>
+        <p:txBody>
+          <a:bodyPr>
+            <a:normAutofit/>
+          </a:bodyPr>
+          <a:lstStyle/>
+          <a:p>
+            <a:pPr marL="0" indent="0">
+              <a:spcBef>
+                <a:spcPts val="0"/>
+              </a:spcBef>
+              <a:buNone/>
+            </a:pPr>
+            <a:r>
+              <a:rPr lang="lt-LT" dirty="0"/>
+              <a:t>public string CalcBet(int betId, int money, string reg)</a:t>
+            </a:r>
+          </a:p>
+          <a:p>
+            <a:pPr marL="0" indent="0">
+              <a:spcBef>
+                <a:spcPts val="0"/>
+              </a:spcBef>
+              <a:buNone/>
+            </a:pPr>
+            <a:r>
+              <a:rPr lang="lt-LT" dirty="0"/>
+              <a:t>        {</a:t>
+            </a:r>
+          </a:p>
+          <a:p>
+            <a:pPr marL="0" indent="0">
+              <a:spcBef>
+                <a:spcPts val="0"/>
+              </a:spcBef>
+              <a:buNone/>
+            </a:pPr>
+            <a:r>
+              <a:rPr lang="lt-LT" dirty="0"/>
+              <a:t>            string temp = "";</a:t>
+            </a:r>
+          </a:p>
+          <a:p>
+            <a:pPr marL="0" indent="0">
+              <a:spcBef>
+                <a:spcPts val="0"/>
+              </a:spcBef>
+              <a:buNone/>
+            </a:pPr>
+            <a:r>
+              <a:rPr lang="lt-LT" dirty="0"/>
+              <a:t>            foreach (Bets bet in bets)</a:t>
+            </a:r>
+          </a:p>
+          <a:p>
+            <a:pPr marL="0" indent="0">
+              <a:spcBef>
+                <a:spcPts val="0"/>
+              </a:spcBef>
+              <a:buNone/>
+            </a:pPr>
+            <a:r>
+              <a:rPr lang="lt-LT" dirty="0"/>
+              <a:t>            {</a:t>
+            </a:r>
+          </a:p>
+          <a:p>
+            <a:pPr marL="0" indent="0">
+              <a:spcBef>
+                <a:spcPts val="0"/>
+              </a:spcBef>
+              <a:buNone/>
+            </a:pPr>
+            <a:r>
+              <a:rPr lang="lt-LT" dirty="0"/>
+              <a:t>                if(bet.Id == betId)</a:t>
+            </a:r>
+          </a:p>
+          <a:p>
+            <a:pPr marL="0" indent="0">
+              <a:spcBef>
+                <a:spcPts val="0"/>
+              </a:spcBef>
+              <a:buNone/>
+            </a:pPr>
+            <a:r>
+              <a:rPr lang="lt-LT" dirty="0"/>
+              <a:t>                {</a:t>
+            </a:r>
+          </a:p>
+          <a:p>
+            <a:pPr marL="0" indent="0">
+              <a:spcBef>
+                <a:spcPts val="0"/>
+              </a:spcBef>
+              <a:buNone/>
+            </a:pPr>
+            <a:r>
+              <a:rPr lang="lt-LT" dirty="0"/>
+              <a:t>                    RegionInfo regionInfo = new RegionInfo(reg);</a:t>
+            </a:r>
+          </a:p>
+          <a:p>
+            <a:pPr marL="0" indent="0">
+              <a:spcBef>
+                <a:spcPts val="0"/>
+              </a:spcBef>
+              <a:buNone/>
+            </a:pPr>
+            <a:r>
+              <a:rPr lang="lt-LT" dirty="0"/>
+              <a:t>                    temp = "Index of bet: " + betId + " possible winning: " + bet.Coefficient*money/100 + " " + regionInfo.CurrencySymbol;</a:t>
+            </a:r>
+          </a:p>
+          <a:p>
+            <a:pPr marL="0" indent="0">
+              <a:spcBef>
+                <a:spcPts val="0"/>
+              </a:spcBef>
+              <a:buNone/>
+            </a:pPr>
+            <a:r>
+              <a:rPr lang="lt-LT" dirty="0"/>
+              <a:t>                }</a:t>
+            </a:r>
+          </a:p>
+          <a:p>
+            <a:pPr marL="0" indent="0">
+              <a:spcBef>
+                <a:spcPts val="0"/>
+              </a:spcBef>
+              <a:buNone/>
+            </a:pPr>
+            <a:r>
+              <a:rPr lang="lt-LT" dirty="0"/>
+              <a:t>            }</a:t>
+            </a:r>
+          </a:p>
+          <a:p>
+            <a:pPr marL="0" indent="0">
+              <a:spcBef>
+                <a:spcPts val="0"/>
+              </a:spcBef>
+              <a:buNone/>
+            </a:pPr>
+            <a:r>
+              <a:rPr lang="lt-LT" dirty="0"/>
+              <a:t>            return temp;</a:t>
+            </a:r>
+          </a:p>
+          <a:p>
+            <a:pPr marL="0" indent="0">
+              <a:spcBef>
+                <a:spcPts val="0"/>
+              </a:spcBef>
+              <a:buNone/>
+            </a:pPr>
+            <a:r>
+              <a:rPr lang="lt-LT" dirty="0"/>
+              <a:t>        }</a:t>
+            </a:r>
+          </a:p>
+        </p:txBody>
+      </p:sp>
+    </p:spTree>
+    <p:extLst>
+      <p:ext uri="{BB962C8B-B14F-4D97-AF65-F5344CB8AC3E}">
+        <p14:creationId xmlns:p14="http://schemas.microsoft.com/office/powerpoint/2010/main" val="4166168450"/>
+      </p:ext>
+    </p:extLst>
+  </p:cSld>
+  <p:clrMapOvr>
+    <a:masterClrMapping/>
+  </p:clrMapOvr>
+</p:sld>
+</file>
+
+<file path=ppt/slides/slide15.xml><?xml version="1.0" encoding="utf-8"?>
+<p:sld xmlns:a="http://schemas.openxmlformats.org/drawingml/2006/main" xmlns:r="http://schemas.openxmlformats.org/officeDocument/2006/relationships" xmlns:p="http://schemas.openxmlformats.org/presentationml/2006/main">
+  <p:cSld>
+    <p:spTree>
+      <p:nvGrpSpPr>
+        <p:cNvPr id="1" name=""/>
+        <p:cNvGrpSpPr/>
+        <p:nvPr/>
+      </p:nvGrpSpPr>
+      <p:grpSpPr>
+        <a:xfrm>
+          <a:off x="0" y="0"/>
+          <a:ext cx="0" cy="0"/>
+          <a:chOff x="0" y="0"/>
+          <a:chExt cx="0" cy="0"/>
+        </a:xfrm>
+      </p:grpSpPr>
+      <p:sp>
+        <p:nvSpPr>
           <p:cNvPr id="2" name="Title 1">
             <a:extLst>
               <a:ext uri="{FF2B5EF4-FFF2-40B4-BE49-F238E27FC236}">
@@ -8159,10 +8520,10 @@
       </p:sp>
       <p:pic>
         <p:nvPicPr>
-          <p:cNvPr id="4" name="Picture 3">
+          <p:cNvPr id="3" name="Picture 2">
             <a:extLst>
               <a:ext uri="{FF2B5EF4-FFF2-40B4-BE49-F238E27FC236}">
-                <a16:creationId xmlns:a16="http://schemas.microsoft.com/office/drawing/2014/main" id="{552E701C-A1DF-429A-9963-A9F3D4972D13}"/>
+                <a16:creationId xmlns:a16="http://schemas.microsoft.com/office/drawing/2014/main" id="{553C0E7B-CA15-4695-8694-7F8DF5EDB260}"/>
               </a:ext>
             </a:extLst>
           </p:cNvPr>
@@ -8171,16 +8532,15 @@
           </p:cNvPicPr>
           <p:nvPr/>
         </p:nvPicPr>
-        <p:blipFill>
+        <p:blipFill rotWithShape="1">
           <a:blip r:embed="rId2"/>
-          <a:stretch>
-            <a:fillRect/>
-          </a:stretch>
+          <a:srcRect b="4516"/>
+          <a:stretch/>
         </p:blipFill>
         <p:spPr>
           <a:xfrm>
             <a:off x="0" y="0"/>
-            <a:ext cx="12192000" cy="6858000"/>
+            <a:ext cx="12192000" cy="6548284"/>
           </a:xfrm>
           <a:prstGeom prst="rect">
             <a:avLst/>
@@ -8190,7 +8550,606 @@
     </p:spTree>
     <p:extLst>
       <p:ext uri="{BB962C8B-B14F-4D97-AF65-F5344CB8AC3E}">
-        <p14:creationId xmlns:p14="http://schemas.microsoft.com/office/powerpoint/2010/main" val="2123307819"/>
+        <p14:creationId xmlns:p14="http://schemas.microsoft.com/office/powerpoint/2010/main" val="1953775478"/>
+      </p:ext>
+    </p:extLst>
+  </p:cSld>
+  <p:clrMapOvr>
+    <a:masterClrMapping/>
+  </p:clrMapOvr>
+</p:sld>
+</file>
+
+<file path=ppt/slides/slide16.xml><?xml version="1.0" encoding="utf-8"?>
+<p:sld xmlns:a="http://schemas.openxmlformats.org/drawingml/2006/main" xmlns:r="http://schemas.openxmlformats.org/officeDocument/2006/relationships" xmlns:p="http://schemas.openxmlformats.org/presentationml/2006/main">
+  <p:cSld>
+    <p:spTree>
+      <p:nvGrpSpPr>
+        <p:cNvPr id="1" name=""/>
+        <p:cNvGrpSpPr/>
+        <p:nvPr/>
+      </p:nvGrpSpPr>
+      <p:grpSpPr>
+        <a:xfrm>
+          <a:off x="0" y="0"/>
+          <a:ext cx="0" cy="0"/>
+          <a:chOff x="0" y="0"/>
+          <a:chExt cx="0" cy="0"/>
+        </a:xfrm>
+      </p:grpSpPr>
+      <p:sp>
+        <p:nvSpPr>
+          <p:cNvPr id="2" name="Title 1">
+            <a:extLst>
+              <a:ext uri="{FF2B5EF4-FFF2-40B4-BE49-F238E27FC236}">
+                <a16:creationId xmlns:a16="http://schemas.microsoft.com/office/drawing/2014/main" id="{6AFA34A1-98AC-4DB6-86AC-DC60C4653CC1}"/>
+              </a:ext>
+            </a:extLst>
+          </p:cNvPr>
+          <p:cNvSpPr>
+            <a:spLocks noGrp="1"/>
+          </p:cNvSpPr>
+          <p:nvPr>
+            <p:ph type="title"/>
+          </p:nvPr>
+        </p:nvSpPr>
+        <p:spPr/>
+        <p:txBody>
+          <a:bodyPr>
+            <a:normAutofit fontScale="90000"/>
+          </a:bodyPr>
+          <a:lstStyle/>
+          <a:p>
+            <a:r>
+              <a:rPr lang="lt-LT" dirty="0"/>
+              <a:t>Metodas: </a:t>
+            </a:r>
+            <a:r>
+              <a:rPr lang="lt-LT" b="1" dirty="0"/>
+              <a:t>AddBets(int betName, string category, int coefficient, string submitorName, string password, DateTime date)</a:t>
+            </a:r>
+          </a:p>
+        </p:txBody>
+      </p:sp>
+      <p:sp>
+        <p:nvSpPr>
+          <p:cNvPr id="3" name="Content Placeholder 2">
+            <a:extLst>
+              <a:ext uri="{FF2B5EF4-FFF2-40B4-BE49-F238E27FC236}">
+                <a16:creationId xmlns:a16="http://schemas.microsoft.com/office/drawing/2014/main" id="{BECCEAAF-DDD6-4193-B20A-44E1BECA0195}"/>
+              </a:ext>
+            </a:extLst>
+          </p:cNvPr>
+          <p:cNvSpPr>
+            <a:spLocks noGrp="1"/>
+          </p:cNvSpPr>
+          <p:nvPr>
+            <p:ph idx="1"/>
+          </p:nvPr>
+        </p:nvSpPr>
+        <p:spPr>
+          <a:xfrm>
+            <a:off x="2589212" y="2676698"/>
+            <a:ext cx="8915400" cy="3234524"/>
+          </a:xfrm>
+        </p:spPr>
+        <p:txBody>
+          <a:bodyPr>
+            <a:normAutofit fontScale="77500" lnSpcReduction="20000"/>
+          </a:bodyPr>
+          <a:lstStyle/>
+          <a:p>
+            <a:r>
+              <a:rPr lang="lt-LT" sz="2400" dirty="0"/>
+              <a:t>Grąžina string tipo kintamąjį, kuriama surašyta visi galimi statymai ir naujas pridėtas statymas.</a:t>
+            </a:r>
+          </a:p>
+          <a:p>
+            <a:pPr marL="0" indent="0">
+              <a:buNone/>
+            </a:pPr>
+            <a:r>
+              <a:rPr lang="lt-LT" sz="2400" b="1" dirty="0"/>
+              <a:t>Parametrai:</a:t>
+            </a:r>
+          </a:p>
+          <a:p>
+            <a:r>
+              <a:rPr lang="lt-LT" sz="2400" dirty="0"/>
+              <a:t>betName – statymo pavadinimas</a:t>
+            </a:r>
+          </a:p>
+          <a:p>
+            <a:r>
+              <a:rPr lang="lt-LT" sz="2400" dirty="0"/>
+              <a:t>category – statymo kategorija</a:t>
+            </a:r>
+          </a:p>
+          <a:p>
+            <a:r>
+              <a:rPr lang="lt-LT" sz="2400" dirty="0"/>
+              <a:t>submitorName – asmens, kuris įkelia naują statymą naudotojo vardas</a:t>
+            </a:r>
+          </a:p>
+          <a:p>
+            <a:r>
+              <a:rPr lang="lt-LT" sz="2400" dirty="0"/>
+              <a:t>password – slaptažodis, kaip apsauga, kad bet kas negalėtų pridėti naujų statymų</a:t>
+            </a:r>
+          </a:p>
+          <a:p>
+            <a:r>
+              <a:rPr lang="lt-LT" sz="2400" dirty="0"/>
+              <a:t>date – statymo pabaigos data</a:t>
+            </a:r>
+          </a:p>
+        </p:txBody>
+      </p:sp>
+    </p:spTree>
+    <p:extLst>
+      <p:ext uri="{BB962C8B-B14F-4D97-AF65-F5344CB8AC3E}">
+        <p14:creationId xmlns:p14="http://schemas.microsoft.com/office/powerpoint/2010/main" val="328796708"/>
+      </p:ext>
+    </p:extLst>
+  </p:cSld>
+  <p:clrMapOvr>
+    <a:masterClrMapping/>
+  </p:clrMapOvr>
+</p:sld>
+</file>
+
+<file path=ppt/slides/slide17.xml><?xml version="1.0" encoding="utf-8"?>
+<p:sld xmlns:a="http://schemas.openxmlformats.org/drawingml/2006/main" xmlns:r="http://schemas.openxmlformats.org/officeDocument/2006/relationships" xmlns:p="http://schemas.openxmlformats.org/presentationml/2006/main">
+  <p:cSld>
+    <p:spTree>
+      <p:nvGrpSpPr>
+        <p:cNvPr id="1" name=""/>
+        <p:cNvGrpSpPr/>
+        <p:nvPr/>
+      </p:nvGrpSpPr>
+      <p:grpSpPr>
+        <a:xfrm>
+          <a:off x="0" y="0"/>
+          <a:ext cx="0" cy="0"/>
+          <a:chOff x="0" y="0"/>
+          <a:chExt cx="0" cy="0"/>
+        </a:xfrm>
+      </p:grpSpPr>
+      <p:sp>
+        <p:nvSpPr>
+          <p:cNvPr id="3" name="Content Placeholder 2">
+            <a:extLst>
+              <a:ext uri="{FF2B5EF4-FFF2-40B4-BE49-F238E27FC236}">
+                <a16:creationId xmlns:a16="http://schemas.microsoft.com/office/drawing/2014/main" id="{DC652DED-C201-4B8A-A69B-438A87EC30DC}"/>
+              </a:ext>
+            </a:extLst>
+          </p:cNvPr>
+          <p:cNvSpPr>
+            <a:spLocks noGrp="1"/>
+          </p:cNvSpPr>
+          <p:nvPr>
+            <p:ph idx="1"/>
+          </p:nvPr>
+        </p:nvSpPr>
+        <p:spPr>
+          <a:xfrm>
+            <a:off x="2589212" y="748145"/>
+            <a:ext cx="8915400" cy="5163077"/>
+          </a:xfrm>
+        </p:spPr>
+        <p:txBody>
+          <a:bodyPr>
+            <a:normAutofit lnSpcReduction="10000"/>
+          </a:bodyPr>
+          <a:lstStyle/>
+          <a:p>
+            <a:pPr marL="0" indent="0">
+              <a:spcBef>
+                <a:spcPts val="0"/>
+              </a:spcBef>
+              <a:buNone/>
+            </a:pPr>
+            <a:r>
+              <a:rPr lang="lt-LT" dirty="0"/>
+              <a:t>public string AddBets(string betName, string category, int coefficient, string submitorName, string password, DateTime date)</a:t>
+            </a:r>
+          </a:p>
+          <a:p>
+            <a:pPr marL="0" indent="0">
+              <a:spcBef>
+                <a:spcPts val="0"/>
+              </a:spcBef>
+              <a:buNone/>
+            </a:pPr>
+            <a:r>
+              <a:rPr lang="lt-LT" dirty="0"/>
+              <a:t>        {</a:t>
+            </a:r>
+          </a:p>
+          <a:p>
+            <a:pPr marL="0" indent="0">
+              <a:spcBef>
+                <a:spcPts val="0"/>
+              </a:spcBef>
+              <a:buNone/>
+            </a:pPr>
+            <a:r>
+              <a:rPr lang="lt-LT" dirty="0"/>
+              <a:t>            bets.Clear();</a:t>
+            </a:r>
+          </a:p>
+          <a:p>
+            <a:pPr marL="0" indent="0">
+              <a:spcBef>
+                <a:spcPts val="0"/>
+              </a:spcBef>
+              <a:buNone/>
+            </a:pPr>
+            <a:r>
+              <a:rPr lang="lt-LT" dirty="0"/>
+              <a:t>            if (password == "PasswordSubmit")</a:t>
+            </a:r>
+          </a:p>
+          <a:p>
+            <a:pPr marL="0" indent="0">
+              <a:spcBef>
+                <a:spcPts val="0"/>
+              </a:spcBef>
+              <a:buNone/>
+            </a:pPr>
+            <a:r>
+              <a:rPr lang="lt-LT" dirty="0"/>
+              <a:t>            {</a:t>
+            </a:r>
+          </a:p>
+          <a:p>
+            <a:pPr marL="0" indent="0">
+              <a:spcBef>
+                <a:spcPts val="0"/>
+              </a:spcBef>
+              <a:buNone/>
+            </a:pPr>
+            <a:r>
+              <a:rPr lang="lt-LT" dirty="0"/>
+              <a:t>                InsertData(betName, category, date, coefficient, submitorName);</a:t>
+            </a:r>
+          </a:p>
+          <a:p>
+            <a:pPr marL="0" indent="0">
+              <a:spcBef>
+                <a:spcPts val="0"/>
+              </a:spcBef>
+              <a:buNone/>
+            </a:pPr>
+            <a:r>
+              <a:rPr lang="lt-LT" dirty="0"/>
+              <a:t>                FillData();</a:t>
+            </a:r>
+          </a:p>
+          <a:p>
+            <a:pPr marL="0" indent="0">
+              <a:spcBef>
+                <a:spcPts val="0"/>
+              </a:spcBef>
+              <a:buNone/>
+            </a:pPr>
+            <a:r>
+              <a:rPr lang="lt-LT" dirty="0"/>
+              <a:t>                foreach (Bets b in bets)</a:t>
+            </a:r>
+          </a:p>
+          <a:p>
+            <a:pPr marL="0" indent="0">
+              <a:spcBef>
+                <a:spcPts val="0"/>
+              </a:spcBef>
+              <a:buNone/>
+            </a:pPr>
+            <a:r>
+              <a:rPr lang="lt-LT" dirty="0"/>
+              <a:t>                {</a:t>
+            </a:r>
+          </a:p>
+          <a:p>
+            <a:pPr marL="0" indent="0">
+              <a:spcBef>
+                <a:spcPts val="0"/>
+              </a:spcBef>
+              <a:buNone/>
+            </a:pPr>
+            <a:r>
+              <a:rPr lang="lt-LT" dirty="0"/>
+              <a:t>                    result += "Id: " + b.Id + "; BetName: " + b.BetName + "; Category: " + b.Category + "; Date: " + b.Date + "; Coefficient (%): " + b.Coefficient + "; SubmitorName: " + b.SubmitorName + ";";</a:t>
+            </a:r>
+          </a:p>
+          <a:p>
+            <a:pPr marL="0" indent="0">
+              <a:spcBef>
+                <a:spcPts val="0"/>
+              </a:spcBef>
+              <a:buNone/>
+            </a:pPr>
+            <a:r>
+              <a:rPr lang="lt-LT" dirty="0"/>
+              <a:t>                } </a:t>
+            </a:r>
+          </a:p>
+          <a:p>
+            <a:pPr marL="0" indent="0">
+              <a:spcBef>
+                <a:spcPts val="0"/>
+              </a:spcBef>
+              <a:buNone/>
+            </a:pPr>
+            <a:r>
+              <a:rPr lang="lt-LT" dirty="0"/>
+              <a:t>                return result;</a:t>
+            </a:r>
+          </a:p>
+          <a:p>
+            <a:pPr marL="0" indent="0">
+              <a:spcBef>
+                <a:spcPts val="0"/>
+              </a:spcBef>
+              <a:buNone/>
+            </a:pPr>
+            <a:r>
+              <a:rPr lang="lt-LT" dirty="0"/>
+              <a:t>            }</a:t>
+            </a:r>
+          </a:p>
+          <a:p>
+            <a:pPr marL="0" indent="0">
+              <a:spcBef>
+                <a:spcPts val="0"/>
+              </a:spcBef>
+              <a:buNone/>
+            </a:pPr>
+            <a:r>
+              <a:rPr lang="lt-LT" dirty="0"/>
+              <a:t>            else</a:t>
+            </a:r>
+          </a:p>
+          <a:p>
+            <a:pPr marL="0" indent="0">
+              <a:spcBef>
+                <a:spcPts val="0"/>
+              </a:spcBef>
+              <a:buNone/>
+            </a:pPr>
+            <a:r>
+              <a:rPr lang="lt-LT" dirty="0"/>
+              <a:t>                return "Password incorrect";</a:t>
+            </a:r>
+          </a:p>
+          <a:p>
+            <a:pPr marL="0" indent="0">
+              <a:spcBef>
+                <a:spcPts val="0"/>
+              </a:spcBef>
+              <a:buNone/>
+            </a:pPr>
+            <a:r>
+              <a:rPr lang="lt-LT" dirty="0"/>
+              <a:t>        }</a:t>
+            </a:r>
+          </a:p>
+        </p:txBody>
+      </p:sp>
+    </p:spTree>
+    <p:extLst>
+      <p:ext uri="{BB962C8B-B14F-4D97-AF65-F5344CB8AC3E}">
+        <p14:creationId xmlns:p14="http://schemas.microsoft.com/office/powerpoint/2010/main" val="1049440826"/>
+      </p:ext>
+    </p:extLst>
+  </p:cSld>
+  <p:clrMapOvr>
+    <a:masterClrMapping/>
+  </p:clrMapOvr>
+</p:sld>
+</file>
+
+<file path=ppt/slides/slide18.xml><?xml version="1.0" encoding="utf-8"?>
+<p:sld xmlns:a="http://schemas.openxmlformats.org/drawingml/2006/main" xmlns:r="http://schemas.openxmlformats.org/officeDocument/2006/relationships" xmlns:p="http://schemas.openxmlformats.org/presentationml/2006/main">
+  <p:cSld>
+    <p:spTree>
+      <p:nvGrpSpPr>
+        <p:cNvPr id="1" name=""/>
+        <p:cNvGrpSpPr/>
+        <p:nvPr/>
+      </p:nvGrpSpPr>
+      <p:grpSpPr>
+        <a:xfrm>
+          <a:off x="0" y="0"/>
+          <a:ext cx="0" cy="0"/>
+          <a:chOff x="0" y="0"/>
+          <a:chExt cx="0" cy="0"/>
+        </a:xfrm>
+      </p:grpSpPr>
+      <p:sp>
+        <p:nvSpPr>
+          <p:cNvPr id="2" name="Title 1">
+            <a:extLst>
+              <a:ext uri="{FF2B5EF4-FFF2-40B4-BE49-F238E27FC236}">
+                <a16:creationId xmlns:a16="http://schemas.microsoft.com/office/drawing/2014/main" id="{FCEA22D6-07AF-4251-B783-96984A41F605}"/>
+              </a:ext>
+            </a:extLst>
+          </p:cNvPr>
+          <p:cNvSpPr>
+            <a:spLocks noGrp="1"/>
+          </p:cNvSpPr>
+          <p:nvPr>
+            <p:ph type="title"/>
+          </p:nvPr>
+        </p:nvSpPr>
+        <p:spPr/>
+        <p:txBody>
+          <a:bodyPr/>
+          <a:lstStyle/>
+          <a:p>
+            <a:endParaRPr lang="lt-LT"/>
+          </a:p>
+        </p:txBody>
+      </p:sp>
+      <p:pic>
+        <p:nvPicPr>
+          <p:cNvPr id="4" name="Picture 3">
+            <a:extLst>
+              <a:ext uri="{FF2B5EF4-FFF2-40B4-BE49-F238E27FC236}">
+                <a16:creationId xmlns:a16="http://schemas.microsoft.com/office/drawing/2014/main" id="{780C3D75-4DA0-4195-B7F8-9BD941214E74}"/>
+              </a:ext>
+            </a:extLst>
+          </p:cNvPr>
+          <p:cNvPicPr>
+            <a:picLocks noChangeAspect="1"/>
+          </p:cNvPicPr>
+          <p:nvPr/>
+        </p:nvPicPr>
+        <p:blipFill rotWithShape="1">
+          <a:blip r:embed="rId2"/>
+          <a:srcRect t="-1" b="5007"/>
+          <a:stretch/>
+        </p:blipFill>
+        <p:spPr>
+          <a:xfrm>
+            <a:off x="0" y="0"/>
+            <a:ext cx="12192000" cy="6528619"/>
+          </a:xfrm>
+          <a:prstGeom prst="rect">
+            <a:avLst/>
+          </a:prstGeom>
+        </p:spPr>
+      </p:pic>
+    </p:spTree>
+    <p:extLst>
+      <p:ext uri="{BB962C8B-B14F-4D97-AF65-F5344CB8AC3E}">
+        <p14:creationId xmlns:p14="http://schemas.microsoft.com/office/powerpoint/2010/main" val="1065044865"/>
+      </p:ext>
+    </p:extLst>
+  </p:cSld>
+  <p:clrMapOvr>
+    <a:masterClrMapping/>
+  </p:clrMapOvr>
+</p:sld>
+</file>
+
+<file path=ppt/slides/slide19.xml><?xml version="1.0" encoding="utf-8"?>
+<p:sld xmlns:a="http://schemas.openxmlformats.org/drawingml/2006/main" xmlns:r="http://schemas.openxmlformats.org/officeDocument/2006/relationships" xmlns:p="http://schemas.openxmlformats.org/presentationml/2006/main">
+  <p:cSld>
+    <p:spTree>
+      <p:nvGrpSpPr>
+        <p:cNvPr id="1" name=""/>
+        <p:cNvGrpSpPr/>
+        <p:nvPr/>
+      </p:nvGrpSpPr>
+      <p:grpSpPr>
+        <a:xfrm>
+          <a:off x="0" y="0"/>
+          <a:ext cx="0" cy="0"/>
+          <a:chOff x="0" y="0"/>
+          <a:chExt cx="0" cy="0"/>
+        </a:xfrm>
+      </p:grpSpPr>
+      <p:sp>
+        <p:nvSpPr>
+          <p:cNvPr id="2" name="Title 1">
+            <a:extLst>
+              <a:ext uri="{FF2B5EF4-FFF2-40B4-BE49-F238E27FC236}">
+                <a16:creationId xmlns:a16="http://schemas.microsoft.com/office/drawing/2014/main" id="{6AFA34A1-98AC-4DB6-86AC-DC60C4653CC1}"/>
+              </a:ext>
+            </a:extLst>
+          </p:cNvPr>
+          <p:cNvSpPr>
+            <a:spLocks noGrp="1"/>
+          </p:cNvSpPr>
+          <p:nvPr>
+            <p:ph type="title"/>
+          </p:nvPr>
+        </p:nvSpPr>
+        <p:spPr/>
+        <p:txBody>
+          <a:bodyPr>
+            <a:normAutofit fontScale="90000"/>
+          </a:bodyPr>
+          <a:lstStyle/>
+          <a:p>
+            <a:r>
+              <a:rPr lang="lt-LT" dirty="0"/>
+              <a:t>Metodas: </a:t>
+            </a:r>
+            <a:r>
+              <a:rPr lang="lt-LT" b="1" dirty="0"/>
+              <a:t>SubmitCoff(int bet1, int bet2, int bet3, int bet4, int bet5, string submitorName, string password)</a:t>
+            </a:r>
+          </a:p>
+        </p:txBody>
+      </p:sp>
+      <p:sp>
+        <p:nvSpPr>
+          <p:cNvPr id="3" name="Content Placeholder 2">
+            <a:extLst>
+              <a:ext uri="{FF2B5EF4-FFF2-40B4-BE49-F238E27FC236}">
+                <a16:creationId xmlns:a16="http://schemas.microsoft.com/office/drawing/2014/main" id="{BECCEAAF-DDD6-4193-B20A-44E1BECA0195}"/>
+              </a:ext>
+            </a:extLst>
+          </p:cNvPr>
+          <p:cNvSpPr>
+            <a:spLocks noGrp="1"/>
+          </p:cNvSpPr>
+          <p:nvPr>
+            <p:ph idx="1"/>
+          </p:nvPr>
+        </p:nvSpPr>
+        <p:spPr>
+          <a:xfrm>
+            <a:off x="2589212" y="2676698"/>
+            <a:ext cx="8915400" cy="3234524"/>
+          </a:xfrm>
+        </p:spPr>
+        <p:txBody>
+          <a:bodyPr>
+            <a:normAutofit fontScale="92500" lnSpcReduction="10000"/>
+          </a:bodyPr>
+          <a:lstStyle/>
+          <a:p>
+            <a:r>
+              <a:rPr lang="lt-LT" sz="2400" dirty="0"/>
+              <a:t>Grąžina string tipo kintamąjį, kuriama surašyta kombinuoto statymo įkėlėjo vardas ir jo koeficientas.</a:t>
+            </a:r>
+          </a:p>
+          <a:p>
+            <a:pPr marL="0" indent="0">
+              <a:buNone/>
+            </a:pPr>
+            <a:r>
+              <a:rPr lang="lt-LT" sz="2400" b="1" dirty="0"/>
+              <a:t>Parametrai:</a:t>
+            </a:r>
+          </a:p>
+          <a:p>
+            <a:r>
+              <a:rPr lang="lt-LT" sz="2400" dirty="0"/>
+              <a:t>bet1, 2, 3, 4, 5 – statymų numeriai</a:t>
+            </a:r>
+          </a:p>
+          <a:p>
+            <a:r>
+              <a:rPr lang="lt-LT" sz="2400" dirty="0"/>
+              <a:t>submitorName – asmens, kuris įkelia naują statymą naudotojo vardas</a:t>
+            </a:r>
+          </a:p>
+          <a:p>
+            <a:r>
+              <a:rPr lang="lt-LT" sz="2400" dirty="0"/>
+              <a:t>password – slaptažodis, kaip apsauga, kad bet kas negalėtų pridėti naujų statymų</a:t>
+            </a:r>
+          </a:p>
+        </p:txBody>
+      </p:sp>
+    </p:spTree>
+    <p:extLst>
+      <p:ext uri="{BB962C8B-B14F-4D97-AF65-F5344CB8AC3E}">
+        <p14:creationId xmlns:p14="http://schemas.microsoft.com/office/powerpoint/2010/main" val="2485472442"/>
       </p:ext>
     </p:extLst>
   </p:cSld>
@@ -8365,6 +9324,1346 @@
     <p:extLst>
       <p:ext uri="{BB962C8B-B14F-4D97-AF65-F5344CB8AC3E}">
         <p14:creationId xmlns:p14="http://schemas.microsoft.com/office/powerpoint/2010/main" val="2486778609"/>
+      </p:ext>
+    </p:extLst>
+  </p:cSld>
+  <p:clrMapOvr>
+    <a:masterClrMapping/>
+  </p:clrMapOvr>
+</p:sld>
+</file>
+
+<file path=ppt/slides/slide20.xml><?xml version="1.0" encoding="utf-8"?>
+<p:sld xmlns:a="http://schemas.openxmlformats.org/drawingml/2006/main" xmlns:r="http://schemas.openxmlformats.org/officeDocument/2006/relationships" xmlns:p="http://schemas.openxmlformats.org/presentationml/2006/main">
+  <p:cSld>
+    <p:spTree>
+      <p:nvGrpSpPr>
+        <p:cNvPr id="1" name=""/>
+        <p:cNvGrpSpPr/>
+        <p:nvPr/>
+      </p:nvGrpSpPr>
+      <p:grpSpPr>
+        <a:xfrm>
+          <a:off x="0" y="0"/>
+          <a:ext cx="0" cy="0"/>
+          <a:chOff x="0" y="0"/>
+          <a:chExt cx="0" cy="0"/>
+        </a:xfrm>
+      </p:grpSpPr>
+      <p:sp>
+        <p:nvSpPr>
+          <p:cNvPr id="3" name="Content Placeholder 2">
+            <a:extLst>
+              <a:ext uri="{FF2B5EF4-FFF2-40B4-BE49-F238E27FC236}">
+                <a16:creationId xmlns:a16="http://schemas.microsoft.com/office/drawing/2014/main" id="{DC652DED-C201-4B8A-A69B-438A87EC30DC}"/>
+              </a:ext>
+            </a:extLst>
+          </p:cNvPr>
+          <p:cNvSpPr>
+            <a:spLocks noGrp="1"/>
+          </p:cNvSpPr>
+          <p:nvPr>
+            <p:ph idx="1"/>
+          </p:nvPr>
+        </p:nvSpPr>
+        <p:spPr>
+          <a:xfrm>
+            <a:off x="1664677" y="492369"/>
+            <a:ext cx="10527323" cy="6365630"/>
+          </a:xfrm>
+        </p:spPr>
+        <p:txBody>
+          <a:bodyPr>
+            <a:noAutofit/>
+          </a:bodyPr>
+          <a:lstStyle/>
+          <a:p>
+            <a:pPr marL="0" indent="0">
+              <a:spcBef>
+                <a:spcPts val="0"/>
+              </a:spcBef>
+              <a:buNone/>
+            </a:pPr>
+            <a:r>
+              <a:rPr lang="lt-LT" sz="1400" dirty="0"/>
+              <a:t>public string SubmitCoff(int bet1, int bet2, int bet3, int bet4, int bet5, string submitorName, string password)</a:t>
+            </a:r>
+          </a:p>
+          <a:p>
+            <a:pPr marL="0" indent="0">
+              <a:spcBef>
+                <a:spcPts val="0"/>
+              </a:spcBef>
+              <a:buNone/>
+            </a:pPr>
+            <a:r>
+              <a:rPr lang="lt-LT" sz="1400" dirty="0"/>
+              <a:t>        {</a:t>
+            </a:r>
+          </a:p>
+          <a:p>
+            <a:pPr marL="0" indent="0">
+              <a:spcBef>
+                <a:spcPts val="0"/>
+              </a:spcBef>
+              <a:buNone/>
+            </a:pPr>
+            <a:r>
+              <a:rPr lang="lt-LT" sz="1400" dirty="0"/>
+              <a:t>            if (password == "PasswordSubmit")</a:t>
+            </a:r>
+          </a:p>
+          <a:p>
+            <a:pPr marL="0" indent="0">
+              <a:spcBef>
+                <a:spcPts val="0"/>
+              </a:spcBef>
+              <a:buNone/>
+            </a:pPr>
+            <a:r>
+              <a:rPr lang="lt-LT" sz="1400" dirty="0"/>
+              <a:t>            {</a:t>
+            </a:r>
+          </a:p>
+          <a:p>
+            <a:pPr marL="0" indent="0">
+              <a:spcBef>
+                <a:spcPts val="0"/>
+              </a:spcBef>
+              <a:buNone/>
+            </a:pPr>
+            <a:r>
+              <a:rPr lang="lt-LT" sz="1400" dirty="0"/>
+              <a:t>                int combocoef = 1;</a:t>
+            </a:r>
+          </a:p>
+          <a:p>
+            <a:pPr marL="0" indent="0">
+              <a:spcBef>
+                <a:spcPts val="0"/>
+              </a:spcBef>
+              <a:buNone/>
+            </a:pPr>
+            <a:r>
+              <a:rPr lang="lt-LT" sz="1400" dirty="0"/>
+              <a:t>                foreach (Bets b in bets)</a:t>
+            </a:r>
+          </a:p>
+          <a:p>
+            <a:pPr marL="0" indent="0">
+              <a:spcBef>
+                <a:spcPts val="0"/>
+              </a:spcBef>
+              <a:buNone/>
+            </a:pPr>
+            <a:r>
+              <a:rPr lang="lt-LT" sz="1400" dirty="0"/>
+              <a:t>                {</a:t>
+            </a:r>
+          </a:p>
+          <a:p>
+            <a:pPr marL="0" indent="0">
+              <a:spcBef>
+                <a:spcPts val="0"/>
+              </a:spcBef>
+              <a:buNone/>
+            </a:pPr>
+            <a:r>
+              <a:rPr lang="lt-LT" sz="1400" dirty="0"/>
+              <a:t>                    if (b.Id == bet1 || b.Id == bet2 || b.Id == bet3 || b.Id == bet4 || b.Id == bet5)</a:t>
+            </a:r>
+          </a:p>
+          <a:p>
+            <a:pPr marL="0" indent="0">
+              <a:spcBef>
+                <a:spcPts val="0"/>
+              </a:spcBef>
+              <a:buNone/>
+            </a:pPr>
+            <a:r>
+              <a:rPr lang="lt-LT" sz="1400" dirty="0"/>
+              <a:t>                    {</a:t>
+            </a:r>
+          </a:p>
+          <a:p>
+            <a:pPr marL="0" indent="0">
+              <a:spcBef>
+                <a:spcPts val="0"/>
+              </a:spcBef>
+              <a:buNone/>
+            </a:pPr>
+            <a:r>
+              <a:rPr lang="lt-LT" sz="1400" dirty="0"/>
+              <a:t>                        combocoef = combocoef * b.Coefficient;</a:t>
+            </a:r>
+          </a:p>
+          <a:p>
+            <a:pPr marL="0" indent="0">
+              <a:spcBef>
+                <a:spcPts val="0"/>
+              </a:spcBef>
+              <a:buNone/>
+            </a:pPr>
+            <a:r>
+              <a:rPr lang="lt-LT" sz="1400" dirty="0"/>
+              <a:t>                    }</a:t>
+            </a:r>
+          </a:p>
+          <a:p>
+            <a:pPr marL="0" indent="0">
+              <a:spcBef>
+                <a:spcPts val="0"/>
+              </a:spcBef>
+              <a:buNone/>
+            </a:pPr>
+            <a:r>
+              <a:rPr lang="lt-LT" sz="1400" dirty="0"/>
+              <a:t>                }</a:t>
+            </a:r>
+          </a:p>
+          <a:p>
+            <a:pPr marL="0" indent="0">
+              <a:spcBef>
+                <a:spcPts val="0"/>
+              </a:spcBef>
+              <a:buNone/>
+            </a:pPr>
+            <a:r>
+              <a:rPr lang="lt-LT" sz="1400" dirty="0"/>
+              <a:t>                List&lt;int&gt; indexes = new List&lt;int&gt;();</a:t>
+            </a:r>
+          </a:p>
+          <a:p>
+            <a:pPr marL="0" indent="0">
+              <a:spcBef>
+                <a:spcPts val="0"/>
+              </a:spcBef>
+              <a:buNone/>
+            </a:pPr>
+            <a:r>
+              <a:rPr lang="lt-LT" sz="1400" dirty="0"/>
+              <a:t>                indexes.Add(bet1);</a:t>
+            </a:r>
+          </a:p>
+          <a:p>
+            <a:pPr marL="0" indent="0">
+              <a:spcBef>
+                <a:spcPts val="0"/>
+              </a:spcBef>
+              <a:buNone/>
+            </a:pPr>
+            <a:r>
+              <a:rPr lang="lt-LT" sz="1400" dirty="0"/>
+              <a:t>                indexes.Add(bet2);</a:t>
+            </a:r>
+          </a:p>
+          <a:p>
+            <a:pPr marL="0" indent="0">
+              <a:spcBef>
+                <a:spcPts val="0"/>
+              </a:spcBef>
+              <a:buNone/>
+            </a:pPr>
+            <a:r>
+              <a:rPr lang="lt-LT" sz="1400" dirty="0"/>
+              <a:t>                indexes.Add(bet3);</a:t>
+            </a:r>
+          </a:p>
+          <a:p>
+            <a:pPr marL="0" indent="0">
+              <a:spcBef>
+                <a:spcPts val="0"/>
+              </a:spcBef>
+              <a:buNone/>
+            </a:pPr>
+            <a:r>
+              <a:rPr lang="lt-LT" sz="1400" dirty="0"/>
+              <a:t>                indexes.Add(bet4);</a:t>
+            </a:r>
+          </a:p>
+          <a:p>
+            <a:pPr marL="0" indent="0">
+              <a:spcBef>
+                <a:spcPts val="0"/>
+              </a:spcBef>
+              <a:buNone/>
+            </a:pPr>
+            <a:r>
+              <a:rPr lang="lt-LT" sz="1400" dirty="0"/>
+              <a:t>                indexes.Add(bet5);</a:t>
+            </a:r>
+          </a:p>
+          <a:p>
+            <a:pPr marL="0" indent="0">
+              <a:spcBef>
+                <a:spcPts val="0"/>
+              </a:spcBef>
+              <a:buNone/>
+            </a:pPr>
+            <a:r>
+              <a:rPr lang="lt-LT" sz="1400" dirty="0"/>
+              <a:t>                ComboCoef combo = new ComboCoef(indexes, combocoef, submitorName);</a:t>
+            </a:r>
+          </a:p>
+          <a:p>
+            <a:pPr marL="0" indent="0">
+              <a:spcBef>
+                <a:spcPts val="0"/>
+              </a:spcBef>
+              <a:buNone/>
+            </a:pPr>
+            <a:r>
+              <a:rPr lang="lt-LT" sz="1400" dirty="0"/>
+              <a:t>                coefficients.Add(combo);</a:t>
+            </a:r>
+          </a:p>
+          <a:p>
+            <a:pPr marL="0" indent="0">
+              <a:spcBef>
+                <a:spcPts val="0"/>
+              </a:spcBef>
+              <a:buNone/>
+            </a:pPr>
+            <a:r>
+              <a:rPr lang="lt-LT" sz="1400" dirty="0"/>
+              <a:t>                return combo.SubmitorName + " " + combo.SumCoeff;</a:t>
+            </a:r>
+          </a:p>
+          <a:p>
+            <a:pPr marL="0" indent="0">
+              <a:spcBef>
+                <a:spcPts val="0"/>
+              </a:spcBef>
+              <a:buNone/>
+            </a:pPr>
+            <a:r>
+              <a:rPr lang="lt-LT" sz="1400" dirty="0"/>
+              <a:t>            }</a:t>
+            </a:r>
+          </a:p>
+          <a:p>
+            <a:pPr marL="0" indent="0">
+              <a:spcBef>
+                <a:spcPts val="0"/>
+              </a:spcBef>
+              <a:buNone/>
+            </a:pPr>
+            <a:r>
+              <a:rPr lang="lt-LT" sz="1400" dirty="0"/>
+              <a:t>            else</a:t>
+            </a:r>
+          </a:p>
+          <a:p>
+            <a:pPr marL="0" indent="0">
+              <a:spcBef>
+                <a:spcPts val="0"/>
+              </a:spcBef>
+              <a:buNone/>
+            </a:pPr>
+            <a:r>
+              <a:rPr lang="lt-LT" sz="1400" dirty="0"/>
+              <a:t>                return "Password incorrect";</a:t>
+            </a:r>
+          </a:p>
+          <a:p>
+            <a:pPr marL="0" indent="0">
+              <a:spcBef>
+                <a:spcPts val="0"/>
+              </a:spcBef>
+              <a:buNone/>
+            </a:pPr>
+            <a:r>
+              <a:rPr lang="lt-LT" sz="1400" dirty="0"/>
+              <a:t>        }</a:t>
+            </a:r>
+          </a:p>
+        </p:txBody>
+      </p:sp>
+    </p:spTree>
+    <p:extLst>
+      <p:ext uri="{BB962C8B-B14F-4D97-AF65-F5344CB8AC3E}">
+        <p14:creationId xmlns:p14="http://schemas.microsoft.com/office/powerpoint/2010/main" val="4137044652"/>
+      </p:ext>
+    </p:extLst>
+  </p:cSld>
+  <p:clrMapOvr>
+    <a:masterClrMapping/>
+  </p:clrMapOvr>
+</p:sld>
+</file>
+
+<file path=ppt/slides/slide21.xml><?xml version="1.0" encoding="utf-8"?>
+<p:sld xmlns:a="http://schemas.openxmlformats.org/drawingml/2006/main" xmlns:r="http://schemas.openxmlformats.org/officeDocument/2006/relationships" xmlns:p="http://schemas.openxmlformats.org/presentationml/2006/main">
+  <p:cSld>
+    <p:spTree>
+      <p:nvGrpSpPr>
+        <p:cNvPr id="1" name=""/>
+        <p:cNvGrpSpPr/>
+        <p:nvPr/>
+      </p:nvGrpSpPr>
+      <p:grpSpPr>
+        <a:xfrm>
+          <a:off x="0" y="0"/>
+          <a:ext cx="0" cy="0"/>
+          <a:chOff x="0" y="0"/>
+          <a:chExt cx="0" cy="0"/>
+        </a:xfrm>
+      </p:grpSpPr>
+      <p:sp>
+        <p:nvSpPr>
+          <p:cNvPr id="2" name="Title 1">
+            <a:extLst>
+              <a:ext uri="{FF2B5EF4-FFF2-40B4-BE49-F238E27FC236}">
+                <a16:creationId xmlns:a16="http://schemas.microsoft.com/office/drawing/2014/main" id="{FCEA22D6-07AF-4251-B783-96984A41F605}"/>
+              </a:ext>
+            </a:extLst>
+          </p:cNvPr>
+          <p:cNvSpPr>
+            <a:spLocks noGrp="1"/>
+          </p:cNvSpPr>
+          <p:nvPr>
+            <p:ph type="title"/>
+          </p:nvPr>
+        </p:nvSpPr>
+        <p:spPr/>
+        <p:txBody>
+          <a:bodyPr/>
+          <a:lstStyle/>
+          <a:p>
+            <a:endParaRPr lang="lt-LT"/>
+          </a:p>
+        </p:txBody>
+      </p:sp>
+      <p:pic>
+        <p:nvPicPr>
+          <p:cNvPr id="3" name="Picture 2">
+            <a:extLst>
+              <a:ext uri="{FF2B5EF4-FFF2-40B4-BE49-F238E27FC236}">
+                <a16:creationId xmlns:a16="http://schemas.microsoft.com/office/drawing/2014/main" id="{9BE9996F-41BB-4B3F-A9E5-56BEC02CD344}"/>
+              </a:ext>
+            </a:extLst>
+          </p:cNvPr>
+          <p:cNvPicPr>
+            <a:picLocks noChangeAspect="1"/>
+          </p:cNvPicPr>
+          <p:nvPr/>
+        </p:nvPicPr>
+        <p:blipFill rotWithShape="1">
+          <a:blip r:embed="rId2"/>
+          <a:srcRect b="4947"/>
+          <a:stretch/>
+        </p:blipFill>
+        <p:spPr>
+          <a:xfrm>
+            <a:off x="0" y="0"/>
+            <a:ext cx="12192000" cy="6518787"/>
+          </a:xfrm>
+          <a:prstGeom prst="rect">
+            <a:avLst/>
+          </a:prstGeom>
+        </p:spPr>
+      </p:pic>
+    </p:spTree>
+    <p:extLst>
+      <p:ext uri="{BB962C8B-B14F-4D97-AF65-F5344CB8AC3E}">
+        <p14:creationId xmlns:p14="http://schemas.microsoft.com/office/powerpoint/2010/main" val="3727044037"/>
+      </p:ext>
+    </p:extLst>
+  </p:cSld>
+  <p:clrMapOvr>
+    <a:masterClrMapping/>
+  </p:clrMapOvr>
+</p:sld>
+</file>
+
+<file path=ppt/slides/slide22.xml><?xml version="1.0" encoding="utf-8"?>
+<p:sld xmlns:a="http://schemas.openxmlformats.org/drawingml/2006/main" xmlns:r="http://schemas.openxmlformats.org/officeDocument/2006/relationships" xmlns:p="http://schemas.openxmlformats.org/presentationml/2006/main">
+  <p:cSld>
+    <p:spTree>
+      <p:nvGrpSpPr>
+        <p:cNvPr id="1" name=""/>
+        <p:cNvGrpSpPr/>
+        <p:nvPr/>
+      </p:nvGrpSpPr>
+      <p:grpSpPr>
+        <a:xfrm>
+          <a:off x="0" y="0"/>
+          <a:ext cx="0" cy="0"/>
+          <a:chOff x="0" y="0"/>
+          <a:chExt cx="0" cy="0"/>
+        </a:xfrm>
+      </p:grpSpPr>
+      <p:sp>
+        <p:nvSpPr>
+          <p:cNvPr id="2" name="Title 1">
+            <a:extLst>
+              <a:ext uri="{FF2B5EF4-FFF2-40B4-BE49-F238E27FC236}">
+                <a16:creationId xmlns:a16="http://schemas.microsoft.com/office/drawing/2014/main" id="{6AFA34A1-98AC-4DB6-86AC-DC60C4653CC1}"/>
+              </a:ext>
+            </a:extLst>
+          </p:cNvPr>
+          <p:cNvSpPr>
+            <a:spLocks noGrp="1"/>
+          </p:cNvSpPr>
+          <p:nvPr>
+            <p:ph type="title"/>
+          </p:nvPr>
+        </p:nvSpPr>
+        <p:spPr/>
+        <p:txBody>
+          <a:bodyPr>
+            <a:normAutofit/>
+          </a:bodyPr>
+          <a:lstStyle/>
+          <a:p>
+            <a:r>
+              <a:rPr lang="lt-LT" dirty="0"/>
+              <a:t>Metodas: </a:t>
+            </a:r>
+            <a:r>
+              <a:rPr lang="lt-LT" b="1" dirty="0"/>
+              <a:t>BestCoff()</a:t>
+            </a:r>
+          </a:p>
+        </p:txBody>
+      </p:sp>
+      <p:sp>
+        <p:nvSpPr>
+          <p:cNvPr id="3" name="Content Placeholder 2">
+            <a:extLst>
+              <a:ext uri="{FF2B5EF4-FFF2-40B4-BE49-F238E27FC236}">
+                <a16:creationId xmlns:a16="http://schemas.microsoft.com/office/drawing/2014/main" id="{BECCEAAF-DDD6-4193-B20A-44E1BECA0195}"/>
+              </a:ext>
+            </a:extLst>
+          </p:cNvPr>
+          <p:cNvSpPr>
+            <a:spLocks noGrp="1"/>
+          </p:cNvSpPr>
+          <p:nvPr>
+            <p:ph idx="1"/>
+          </p:nvPr>
+        </p:nvSpPr>
+        <p:spPr>
+          <a:xfrm>
+            <a:off x="2589212" y="1811738"/>
+            <a:ext cx="8915400" cy="3234524"/>
+          </a:xfrm>
+        </p:spPr>
+        <p:txBody>
+          <a:bodyPr>
+            <a:normAutofit/>
+          </a:bodyPr>
+          <a:lstStyle/>
+          <a:p>
+            <a:r>
+              <a:rPr lang="lt-LT" sz="2400" dirty="0"/>
+              <a:t>Grąžina string tipo kintamąjį, kuriama surašyta geriausio kombinuoto statymo įkėlėjo vardas ir jo koeficientas.</a:t>
+            </a:r>
+          </a:p>
+        </p:txBody>
+      </p:sp>
+    </p:spTree>
+    <p:extLst>
+      <p:ext uri="{BB962C8B-B14F-4D97-AF65-F5344CB8AC3E}">
+        <p14:creationId xmlns:p14="http://schemas.microsoft.com/office/powerpoint/2010/main" val="1759563304"/>
+      </p:ext>
+    </p:extLst>
+  </p:cSld>
+  <p:clrMapOvr>
+    <a:masterClrMapping/>
+  </p:clrMapOvr>
+</p:sld>
+</file>
+
+<file path=ppt/slides/slide23.xml><?xml version="1.0" encoding="utf-8"?>
+<p:sld xmlns:a="http://schemas.openxmlformats.org/drawingml/2006/main" xmlns:r="http://schemas.openxmlformats.org/officeDocument/2006/relationships" xmlns:p="http://schemas.openxmlformats.org/presentationml/2006/main">
+  <p:cSld>
+    <p:spTree>
+      <p:nvGrpSpPr>
+        <p:cNvPr id="1" name=""/>
+        <p:cNvGrpSpPr/>
+        <p:nvPr/>
+      </p:nvGrpSpPr>
+      <p:grpSpPr>
+        <a:xfrm>
+          <a:off x="0" y="0"/>
+          <a:ext cx="0" cy="0"/>
+          <a:chOff x="0" y="0"/>
+          <a:chExt cx="0" cy="0"/>
+        </a:xfrm>
+      </p:grpSpPr>
+      <p:sp>
+        <p:nvSpPr>
+          <p:cNvPr id="3" name="Content Placeholder 2">
+            <a:extLst>
+              <a:ext uri="{FF2B5EF4-FFF2-40B4-BE49-F238E27FC236}">
+                <a16:creationId xmlns:a16="http://schemas.microsoft.com/office/drawing/2014/main" id="{DC652DED-C201-4B8A-A69B-438A87EC30DC}"/>
+              </a:ext>
+            </a:extLst>
+          </p:cNvPr>
+          <p:cNvSpPr>
+            <a:spLocks noGrp="1"/>
+          </p:cNvSpPr>
+          <p:nvPr>
+            <p:ph idx="1"/>
+          </p:nvPr>
+        </p:nvSpPr>
+        <p:spPr>
+          <a:xfrm>
+            <a:off x="1664677" y="492369"/>
+            <a:ext cx="10527323" cy="6365630"/>
+          </a:xfrm>
+        </p:spPr>
+        <p:txBody>
+          <a:bodyPr>
+            <a:noAutofit/>
+          </a:bodyPr>
+          <a:lstStyle/>
+          <a:p>
+            <a:pPr marL="0" indent="0">
+              <a:spcBef>
+                <a:spcPts val="0"/>
+              </a:spcBef>
+              <a:buNone/>
+            </a:pPr>
+            <a:r>
+              <a:rPr lang="lt-LT" dirty="0"/>
+              <a:t>public string BestCoff()</a:t>
+            </a:r>
+          </a:p>
+          <a:p>
+            <a:pPr marL="0" indent="0">
+              <a:spcBef>
+                <a:spcPts val="0"/>
+              </a:spcBef>
+              <a:buNone/>
+            </a:pPr>
+            <a:r>
+              <a:rPr lang="lt-LT" dirty="0"/>
+              <a:t>        {</a:t>
+            </a:r>
+          </a:p>
+          <a:p>
+            <a:pPr marL="0" indent="0">
+              <a:spcBef>
+                <a:spcPts val="0"/>
+              </a:spcBef>
+              <a:buNone/>
+            </a:pPr>
+            <a:r>
+              <a:rPr lang="lt-LT" dirty="0"/>
+              <a:t>	     string submitname = "";</a:t>
+            </a:r>
+          </a:p>
+          <a:p>
+            <a:pPr marL="0" indent="0">
+              <a:spcBef>
+                <a:spcPts val="0"/>
+              </a:spcBef>
+              <a:buNone/>
+            </a:pPr>
+            <a:r>
+              <a:rPr lang="lt-LT" dirty="0"/>
+              <a:t>            int maxcof = 0;</a:t>
+            </a:r>
+          </a:p>
+          <a:p>
+            <a:pPr marL="0" indent="0">
+              <a:spcBef>
+                <a:spcPts val="0"/>
+              </a:spcBef>
+              <a:buNone/>
+            </a:pPr>
+            <a:r>
+              <a:rPr lang="lt-LT" dirty="0"/>
+              <a:t>            foreach(ComboCoef combo in coefficients)</a:t>
+            </a:r>
+          </a:p>
+          <a:p>
+            <a:pPr marL="0" indent="0">
+              <a:spcBef>
+                <a:spcPts val="0"/>
+              </a:spcBef>
+              <a:buNone/>
+            </a:pPr>
+            <a:r>
+              <a:rPr lang="lt-LT" dirty="0"/>
+              <a:t>            {</a:t>
+            </a:r>
+          </a:p>
+          <a:p>
+            <a:pPr marL="0" indent="0">
+              <a:spcBef>
+                <a:spcPts val="0"/>
+              </a:spcBef>
+              <a:buNone/>
+            </a:pPr>
+            <a:r>
+              <a:rPr lang="lt-LT" dirty="0"/>
+              <a:t>                if(combo.SumCoeff &gt; maxcof)</a:t>
+            </a:r>
+          </a:p>
+          <a:p>
+            <a:pPr marL="0" indent="0">
+              <a:spcBef>
+                <a:spcPts val="0"/>
+              </a:spcBef>
+              <a:buNone/>
+            </a:pPr>
+            <a:r>
+              <a:rPr lang="lt-LT" dirty="0"/>
+              <a:t>                {</a:t>
+            </a:r>
+          </a:p>
+          <a:p>
+            <a:pPr marL="0" indent="0">
+              <a:spcBef>
+                <a:spcPts val="0"/>
+              </a:spcBef>
+              <a:buNone/>
+            </a:pPr>
+            <a:r>
+              <a:rPr lang="lt-LT" dirty="0"/>
+              <a:t>                    maxcof = combo.SumCoeff;</a:t>
+            </a:r>
+          </a:p>
+          <a:p>
+            <a:pPr marL="0" indent="0">
+              <a:spcBef>
+                <a:spcPts val="0"/>
+              </a:spcBef>
+              <a:buNone/>
+            </a:pPr>
+            <a:r>
+              <a:rPr lang="lt-LT" dirty="0"/>
+              <a:t>                    submitname = combo.SubmitorName;</a:t>
+            </a:r>
+          </a:p>
+          <a:p>
+            <a:pPr marL="0" indent="0">
+              <a:spcBef>
+                <a:spcPts val="0"/>
+              </a:spcBef>
+              <a:buNone/>
+            </a:pPr>
+            <a:r>
+              <a:rPr lang="lt-LT" dirty="0"/>
+              <a:t>                }</a:t>
+            </a:r>
+          </a:p>
+          <a:p>
+            <a:pPr marL="0" indent="0">
+              <a:spcBef>
+                <a:spcPts val="0"/>
+              </a:spcBef>
+              <a:buNone/>
+            </a:pPr>
+            <a:r>
+              <a:rPr lang="lt-LT" dirty="0"/>
+              <a:t>            }</a:t>
+            </a:r>
+          </a:p>
+          <a:p>
+            <a:pPr marL="0" indent="0">
+              <a:spcBef>
+                <a:spcPts val="0"/>
+              </a:spcBef>
+              <a:buNone/>
+            </a:pPr>
+            <a:r>
+              <a:rPr lang="lt-LT" dirty="0"/>
+              <a:t>            return submitname + " " + maxcof;</a:t>
+            </a:r>
+          </a:p>
+          <a:p>
+            <a:pPr marL="0" indent="0">
+              <a:spcBef>
+                <a:spcPts val="0"/>
+              </a:spcBef>
+              <a:buNone/>
+            </a:pPr>
+            <a:r>
+              <a:rPr lang="lt-LT" dirty="0"/>
+              <a:t>        }</a:t>
+            </a:r>
+          </a:p>
+        </p:txBody>
+      </p:sp>
+    </p:spTree>
+    <p:extLst>
+      <p:ext uri="{BB962C8B-B14F-4D97-AF65-F5344CB8AC3E}">
+        <p14:creationId xmlns:p14="http://schemas.microsoft.com/office/powerpoint/2010/main" val="3366205969"/>
+      </p:ext>
+    </p:extLst>
+  </p:cSld>
+  <p:clrMapOvr>
+    <a:masterClrMapping/>
+  </p:clrMapOvr>
+</p:sld>
+</file>
+
+<file path=ppt/slides/slide24.xml><?xml version="1.0" encoding="utf-8"?>
+<p:sld xmlns:a="http://schemas.openxmlformats.org/drawingml/2006/main" xmlns:r="http://schemas.openxmlformats.org/officeDocument/2006/relationships" xmlns:p="http://schemas.openxmlformats.org/presentationml/2006/main">
+  <p:cSld>
+    <p:spTree>
+      <p:nvGrpSpPr>
+        <p:cNvPr id="1" name=""/>
+        <p:cNvGrpSpPr/>
+        <p:nvPr/>
+      </p:nvGrpSpPr>
+      <p:grpSpPr>
+        <a:xfrm>
+          <a:off x="0" y="0"/>
+          <a:ext cx="0" cy="0"/>
+          <a:chOff x="0" y="0"/>
+          <a:chExt cx="0" cy="0"/>
+        </a:xfrm>
+      </p:grpSpPr>
+      <p:sp>
+        <p:nvSpPr>
+          <p:cNvPr id="2" name="Title 1">
+            <a:extLst>
+              <a:ext uri="{FF2B5EF4-FFF2-40B4-BE49-F238E27FC236}">
+                <a16:creationId xmlns:a16="http://schemas.microsoft.com/office/drawing/2014/main" id="{FCEA22D6-07AF-4251-B783-96984A41F605}"/>
+              </a:ext>
+            </a:extLst>
+          </p:cNvPr>
+          <p:cNvSpPr>
+            <a:spLocks noGrp="1"/>
+          </p:cNvSpPr>
+          <p:nvPr>
+            <p:ph type="title"/>
+          </p:nvPr>
+        </p:nvSpPr>
+        <p:spPr/>
+        <p:txBody>
+          <a:bodyPr/>
+          <a:lstStyle/>
+          <a:p>
+            <a:endParaRPr lang="lt-LT"/>
+          </a:p>
+        </p:txBody>
+      </p:sp>
+      <p:pic>
+        <p:nvPicPr>
+          <p:cNvPr id="4" name="Picture 3">
+            <a:extLst>
+              <a:ext uri="{FF2B5EF4-FFF2-40B4-BE49-F238E27FC236}">
+                <a16:creationId xmlns:a16="http://schemas.microsoft.com/office/drawing/2014/main" id="{98A4C4EA-F66E-4580-B075-15F4761D738F}"/>
+              </a:ext>
+            </a:extLst>
+          </p:cNvPr>
+          <p:cNvPicPr>
+            <a:picLocks noChangeAspect="1"/>
+          </p:cNvPicPr>
+          <p:nvPr/>
+        </p:nvPicPr>
+        <p:blipFill rotWithShape="1">
+          <a:blip r:embed="rId2"/>
+          <a:srcRect b="4516"/>
+          <a:stretch/>
+        </p:blipFill>
+        <p:spPr>
+          <a:xfrm>
+            <a:off x="0" y="0"/>
+            <a:ext cx="12192000" cy="6548284"/>
+          </a:xfrm>
+          <a:prstGeom prst="rect">
+            <a:avLst/>
+          </a:prstGeom>
+        </p:spPr>
+      </p:pic>
+    </p:spTree>
+    <p:extLst>
+      <p:ext uri="{BB962C8B-B14F-4D97-AF65-F5344CB8AC3E}">
+        <p14:creationId xmlns:p14="http://schemas.microsoft.com/office/powerpoint/2010/main" val="4114470234"/>
+      </p:ext>
+    </p:extLst>
+  </p:cSld>
+  <p:clrMapOvr>
+    <a:masterClrMapping/>
+  </p:clrMapOvr>
+</p:sld>
+</file>
+
+<file path=ppt/slides/slide25.xml><?xml version="1.0" encoding="utf-8"?>
+<p:sld xmlns:a="http://schemas.openxmlformats.org/drawingml/2006/main" xmlns:r="http://schemas.openxmlformats.org/officeDocument/2006/relationships" xmlns:p="http://schemas.openxmlformats.org/presentationml/2006/main">
+  <p:cSld>
+    <p:spTree>
+      <p:nvGrpSpPr>
+        <p:cNvPr id="1" name=""/>
+        <p:cNvGrpSpPr/>
+        <p:nvPr/>
+      </p:nvGrpSpPr>
+      <p:grpSpPr>
+        <a:xfrm>
+          <a:off x="0" y="0"/>
+          <a:ext cx="0" cy="0"/>
+          <a:chOff x="0" y="0"/>
+          <a:chExt cx="0" cy="0"/>
+        </a:xfrm>
+      </p:grpSpPr>
+      <p:sp>
+        <p:nvSpPr>
+          <p:cNvPr id="2" name="Title 1">
+            <a:extLst>
+              <a:ext uri="{FF2B5EF4-FFF2-40B4-BE49-F238E27FC236}">
+                <a16:creationId xmlns:a16="http://schemas.microsoft.com/office/drawing/2014/main" id="{6AFA34A1-98AC-4DB6-86AC-DC60C4653CC1}"/>
+              </a:ext>
+            </a:extLst>
+          </p:cNvPr>
+          <p:cNvSpPr>
+            <a:spLocks noGrp="1"/>
+          </p:cNvSpPr>
+          <p:nvPr>
+            <p:ph type="title"/>
+          </p:nvPr>
+        </p:nvSpPr>
+        <p:spPr/>
+        <p:txBody>
+          <a:bodyPr>
+            <a:normAutofit/>
+          </a:bodyPr>
+          <a:lstStyle/>
+          <a:p>
+            <a:r>
+              <a:rPr lang="lt-LT" dirty="0"/>
+              <a:t>Metodas: </a:t>
+            </a:r>
+            <a:r>
+              <a:rPr lang="lt-LT" b="1" dirty="0"/>
+              <a:t>AllCoff()</a:t>
+            </a:r>
+          </a:p>
+        </p:txBody>
+      </p:sp>
+      <p:sp>
+        <p:nvSpPr>
+          <p:cNvPr id="3" name="Content Placeholder 2">
+            <a:extLst>
+              <a:ext uri="{FF2B5EF4-FFF2-40B4-BE49-F238E27FC236}">
+                <a16:creationId xmlns:a16="http://schemas.microsoft.com/office/drawing/2014/main" id="{BECCEAAF-DDD6-4193-B20A-44E1BECA0195}"/>
+              </a:ext>
+            </a:extLst>
+          </p:cNvPr>
+          <p:cNvSpPr>
+            <a:spLocks noGrp="1"/>
+          </p:cNvSpPr>
+          <p:nvPr>
+            <p:ph idx="1"/>
+          </p:nvPr>
+        </p:nvSpPr>
+        <p:spPr>
+          <a:xfrm>
+            <a:off x="2589212" y="1811738"/>
+            <a:ext cx="8915400" cy="3234524"/>
+          </a:xfrm>
+        </p:spPr>
+        <p:txBody>
+          <a:bodyPr>
+            <a:normAutofit/>
+          </a:bodyPr>
+          <a:lstStyle/>
+          <a:p>
+            <a:r>
+              <a:rPr lang="lt-LT" sz="2400" dirty="0"/>
+              <a:t>Grąžina string tipo kintamąjį, kuriama surašyta visų kombinuotų statymo įkėlėjų vardai ir jo koeficientai ir koki statymai buvo sukombinuoti.</a:t>
+            </a:r>
+          </a:p>
+        </p:txBody>
+      </p:sp>
+    </p:spTree>
+    <p:extLst>
+      <p:ext uri="{BB962C8B-B14F-4D97-AF65-F5344CB8AC3E}">
+        <p14:creationId xmlns:p14="http://schemas.microsoft.com/office/powerpoint/2010/main" val="1919928096"/>
+      </p:ext>
+    </p:extLst>
+  </p:cSld>
+  <p:clrMapOvr>
+    <a:masterClrMapping/>
+  </p:clrMapOvr>
+</p:sld>
+</file>
+
+<file path=ppt/slides/slide26.xml><?xml version="1.0" encoding="utf-8"?>
+<p:sld xmlns:a="http://schemas.openxmlformats.org/drawingml/2006/main" xmlns:r="http://schemas.openxmlformats.org/officeDocument/2006/relationships" xmlns:p="http://schemas.openxmlformats.org/presentationml/2006/main">
+  <p:cSld>
+    <p:spTree>
+      <p:nvGrpSpPr>
+        <p:cNvPr id="1" name=""/>
+        <p:cNvGrpSpPr/>
+        <p:nvPr/>
+      </p:nvGrpSpPr>
+      <p:grpSpPr>
+        <a:xfrm>
+          <a:off x="0" y="0"/>
+          <a:ext cx="0" cy="0"/>
+          <a:chOff x="0" y="0"/>
+          <a:chExt cx="0" cy="0"/>
+        </a:xfrm>
+      </p:grpSpPr>
+      <p:sp>
+        <p:nvSpPr>
+          <p:cNvPr id="3" name="Content Placeholder 2">
+            <a:extLst>
+              <a:ext uri="{FF2B5EF4-FFF2-40B4-BE49-F238E27FC236}">
+                <a16:creationId xmlns:a16="http://schemas.microsoft.com/office/drawing/2014/main" id="{DC652DED-C201-4B8A-A69B-438A87EC30DC}"/>
+              </a:ext>
+            </a:extLst>
+          </p:cNvPr>
+          <p:cNvSpPr>
+            <a:spLocks noGrp="1"/>
+          </p:cNvSpPr>
+          <p:nvPr>
+            <p:ph idx="1"/>
+          </p:nvPr>
+        </p:nvSpPr>
+        <p:spPr>
+          <a:xfrm>
+            <a:off x="1664677" y="492369"/>
+            <a:ext cx="10527323" cy="6365630"/>
+          </a:xfrm>
+        </p:spPr>
+        <p:txBody>
+          <a:bodyPr>
+            <a:noAutofit/>
+          </a:bodyPr>
+          <a:lstStyle/>
+          <a:p>
+            <a:pPr marL="0" indent="0">
+              <a:spcBef>
+                <a:spcPts val="0"/>
+              </a:spcBef>
+              <a:buNone/>
+            </a:pPr>
+            <a:r>
+              <a:rPr lang="lt-LT" dirty="0"/>
+              <a:t>public string AllCoff()</a:t>
+            </a:r>
+          </a:p>
+          <a:p>
+            <a:pPr marL="0" indent="0">
+              <a:spcBef>
+                <a:spcPts val="0"/>
+              </a:spcBef>
+              <a:buNone/>
+            </a:pPr>
+            <a:r>
+              <a:rPr lang="lt-LT" dirty="0"/>
+              <a:t>        {</a:t>
+            </a:r>
+          </a:p>
+          <a:p>
+            <a:pPr marL="0" indent="0">
+              <a:spcBef>
+                <a:spcPts val="0"/>
+              </a:spcBef>
+              <a:buNone/>
+            </a:pPr>
+            <a:r>
+              <a:rPr lang="lt-LT" dirty="0"/>
+              <a:t>            string temp = "";</a:t>
+            </a:r>
+          </a:p>
+          <a:p>
+            <a:pPr marL="0" indent="0">
+              <a:spcBef>
+                <a:spcPts val="0"/>
+              </a:spcBef>
+              <a:buNone/>
+            </a:pPr>
+            <a:r>
+              <a:rPr lang="lt-LT" dirty="0"/>
+              <a:t>            foreach(ComboCoef combo in coefficients)</a:t>
+            </a:r>
+          </a:p>
+          <a:p>
+            <a:pPr marL="0" indent="0">
+              <a:spcBef>
+                <a:spcPts val="0"/>
+              </a:spcBef>
+              <a:buNone/>
+            </a:pPr>
+            <a:r>
+              <a:rPr lang="lt-LT" dirty="0"/>
+              <a:t>            {</a:t>
+            </a:r>
+          </a:p>
+          <a:p>
+            <a:pPr marL="0" indent="0">
+              <a:spcBef>
+                <a:spcPts val="0"/>
+              </a:spcBef>
+              <a:buNone/>
+            </a:pPr>
+            <a:r>
+              <a:rPr lang="lt-LT" dirty="0"/>
+              <a:t>                StringBuilder sb = new StringBuilder();</a:t>
+            </a:r>
+          </a:p>
+          <a:p>
+            <a:pPr marL="0" indent="0">
+              <a:spcBef>
+                <a:spcPts val="0"/>
+              </a:spcBef>
+              <a:buNone/>
+            </a:pPr>
+            <a:r>
+              <a:rPr lang="lt-LT" dirty="0"/>
+              <a:t>                foreach(int c in combo.BetIndex)</a:t>
+            </a:r>
+          </a:p>
+          <a:p>
+            <a:pPr marL="0" indent="0">
+              <a:spcBef>
+                <a:spcPts val="0"/>
+              </a:spcBef>
+              <a:buNone/>
+            </a:pPr>
+            <a:r>
+              <a:rPr lang="lt-LT" dirty="0"/>
+              <a:t>                {</a:t>
+            </a:r>
+          </a:p>
+          <a:p>
+            <a:pPr marL="0" indent="0">
+              <a:spcBef>
+                <a:spcPts val="0"/>
+              </a:spcBef>
+              <a:buNone/>
+            </a:pPr>
+            <a:r>
+              <a:rPr lang="lt-LT" dirty="0"/>
+              <a:t>                    sb.Append(c + ",");</a:t>
+            </a:r>
+          </a:p>
+          <a:p>
+            <a:pPr marL="0" indent="0">
+              <a:spcBef>
+                <a:spcPts val="0"/>
+              </a:spcBef>
+              <a:buNone/>
+            </a:pPr>
+            <a:r>
+              <a:rPr lang="lt-LT" dirty="0"/>
+              <a:t>                }</a:t>
+            </a:r>
+          </a:p>
+          <a:p>
+            <a:pPr marL="0" indent="0">
+              <a:spcBef>
+                <a:spcPts val="0"/>
+              </a:spcBef>
+              <a:buNone/>
+            </a:pPr>
+            <a:r>
+              <a:rPr lang="lt-LT" dirty="0"/>
+              <a:t>                temp += "Index of bets: " + sb + " Submitor: " + combo.SubmitorName + " Coefficient: " + combo.SumCoeff + "\n";</a:t>
+            </a:r>
+          </a:p>
+          <a:p>
+            <a:pPr marL="0" indent="0">
+              <a:spcBef>
+                <a:spcPts val="0"/>
+              </a:spcBef>
+              <a:buNone/>
+            </a:pPr>
+            <a:r>
+              <a:rPr lang="lt-LT" dirty="0"/>
+              <a:t>            }</a:t>
+            </a:r>
+          </a:p>
+          <a:p>
+            <a:pPr marL="0" indent="0">
+              <a:spcBef>
+                <a:spcPts val="0"/>
+              </a:spcBef>
+              <a:buNone/>
+            </a:pPr>
+            <a:r>
+              <a:rPr lang="lt-LT" dirty="0"/>
+              <a:t>            return temp;</a:t>
+            </a:r>
+          </a:p>
+          <a:p>
+            <a:pPr marL="0" indent="0">
+              <a:spcBef>
+                <a:spcPts val="0"/>
+              </a:spcBef>
+              <a:buNone/>
+            </a:pPr>
+            <a:r>
+              <a:rPr lang="lt-LT" dirty="0"/>
+              <a:t>        }</a:t>
+            </a:r>
+          </a:p>
+        </p:txBody>
+      </p:sp>
+    </p:spTree>
+    <p:extLst>
+      <p:ext uri="{BB962C8B-B14F-4D97-AF65-F5344CB8AC3E}">
+        <p14:creationId xmlns:p14="http://schemas.microsoft.com/office/powerpoint/2010/main" val="978420458"/>
+      </p:ext>
+    </p:extLst>
+  </p:cSld>
+  <p:clrMapOvr>
+    <a:masterClrMapping/>
+  </p:clrMapOvr>
+</p:sld>
+</file>
+
+<file path=ppt/slides/slide27.xml><?xml version="1.0" encoding="utf-8"?>
+<p:sld xmlns:a="http://schemas.openxmlformats.org/drawingml/2006/main" xmlns:r="http://schemas.openxmlformats.org/officeDocument/2006/relationships" xmlns:p="http://schemas.openxmlformats.org/presentationml/2006/main">
+  <p:cSld>
+    <p:spTree>
+      <p:nvGrpSpPr>
+        <p:cNvPr id="1" name=""/>
+        <p:cNvGrpSpPr/>
+        <p:nvPr/>
+      </p:nvGrpSpPr>
+      <p:grpSpPr>
+        <a:xfrm>
+          <a:off x="0" y="0"/>
+          <a:ext cx="0" cy="0"/>
+          <a:chOff x="0" y="0"/>
+          <a:chExt cx="0" cy="0"/>
+        </a:xfrm>
+      </p:grpSpPr>
+      <p:sp>
+        <p:nvSpPr>
+          <p:cNvPr id="2" name="Title 1">
+            <a:extLst>
+              <a:ext uri="{FF2B5EF4-FFF2-40B4-BE49-F238E27FC236}">
+                <a16:creationId xmlns:a16="http://schemas.microsoft.com/office/drawing/2014/main" id="{FCEA22D6-07AF-4251-B783-96984A41F605}"/>
+              </a:ext>
+            </a:extLst>
+          </p:cNvPr>
+          <p:cNvSpPr>
+            <a:spLocks noGrp="1"/>
+          </p:cNvSpPr>
+          <p:nvPr>
+            <p:ph type="title"/>
+          </p:nvPr>
+        </p:nvSpPr>
+        <p:spPr/>
+        <p:txBody>
+          <a:bodyPr/>
+          <a:lstStyle/>
+          <a:p>
+            <a:endParaRPr lang="lt-LT"/>
+          </a:p>
+        </p:txBody>
+      </p:sp>
+      <p:pic>
+        <p:nvPicPr>
+          <p:cNvPr id="3" name="Picture 2">
+            <a:extLst>
+              <a:ext uri="{FF2B5EF4-FFF2-40B4-BE49-F238E27FC236}">
+                <a16:creationId xmlns:a16="http://schemas.microsoft.com/office/drawing/2014/main" id="{C4B1E502-FCCE-4A6C-800E-61425F507C39}"/>
+              </a:ext>
+            </a:extLst>
+          </p:cNvPr>
+          <p:cNvPicPr>
+            <a:picLocks noChangeAspect="1"/>
+          </p:cNvPicPr>
+          <p:nvPr/>
+        </p:nvPicPr>
+        <p:blipFill rotWithShape="1">
+          <a:blip r:embed="rId2"/>
+          <a:srcRect b="4947"/>
+          <a:stretch/>
+        </p:blipFill>
+        <p:spPr>
+          <a:xfrm>
+            <a:off x="0" y="0"/>
+            <a:ext cx="12192000" cy="6518787"/>
+          </a:xfrm>
+          <a:prstGeom prst="rect">
+            <a:avLst/>
+          </a:prstGeom>
+        </p:spPr>
+      </p:pic>
+    </p:spTree>
+    <p:extLst>
+      <p:ext uri="{BB962C8B-B14F-4D97-AF65-F5344CB8AC3E}">
+        <p14:creationId xmlns:p14="http://schemas.microsoft.com/office/powerpoint/2010/main" val="1822717442"/>
+      </p:ext>
+    </p:extLst>
+  </p:cSld>
+  <p:clrMapOvr>
+    <a:masterClrMapping/>
+  </p:clrMapOvr>
+</p:sld>
+</file>
+
+<file path=ppt/slides/slide28.xml><?xml version="1.0" encoding="utf-8"?>
+<p:sld xmlns:a="http://schemas.openxmlformats.org/drawingml/2006/main" xmlns:r="http://schemas.openxmlformats.org/officeDocument/2006/relationships" xmlns:p="http://schemas.openxmlformats.org/presentationml/2006/main">
+  <p:cSld>
+    <p:spTree>
+      <p:nvGrpSpPr>
+        <p:cNvPr id="1" name=""/>
+        <p:cNvGrpSpPr/>
+        <p:nvPr/>
+      </p:nvGrpSpPr>
+      <p:grpSpPr>
+        <a:xfrm>
+          <a:off x="0" y="0"/>
+          <a:ext cx="0" cy="0"/>
+          <a:chOff x="0" y="0"/>
+          <a:chExt cx="0" cy="0"/>
+        </a:xfrm>
+      </p:grpSpPr>
+      <p:sp>
+        <p:nvSpPr>
+          <p:cNvPr id="2" name="Title 1">
+            <a:extLst>
+              <a:ext uri="{FF2B5EF4-FFF2-40B4-BE49-F238E27FC236}">
+                <a16:creationId xmlns:a16="http://schemas.microsoft.com/office/drawing/2014/main" id="{90C21010-13C3-4428-802A-28D499DF6416}"/>
+              </a:ext>
+            </a:extLst>
+          </p:cNvPr>
+          <p:cNvSpPr>
+            <a:spLocks noGrp="1"/>
+          </p:cNvSpPr>
+          <p:nvPr>
+            <p:ph type="title"/>
+          </p:nvPr>
+        </p:nvSpPr>
+        <p:spPr>
+          <a:xfrm>
+            <a:off x="2475694" y="2788555"/>
+            <a:ext cx="8911687" cy="1280890"/>
+          </a:xfrm>
+        </p:spPr>
+        <p:txBody>
+          <a:bodyPr>
+            <a:noAutofit/>
+          </a:bodyPr>
+          <a:lstStyle/>
+          <a:p>
+            <a:r>
+              <a:rPr lang="lt-LT" sz="5400" dirty="0"/>
+              <a:t>AČIŪ UŽ DĖMESĮ</a:t>
+            </a:r>
+            <a:r>
+              <a:rPr lang="en-US" sz="5400" dirty="0"/>
+              <a:t>! </a:t>
+            </a:r>
+            <a:r>
+              <a:rPr lang="lt-LT" sz="8000" dirty="0"/>
+              <a:t>☺</a:t>
+            </a:r>
+            <a:br>
+              <a:rPr lang="lt-LT" sz="5400" u="sng" dirty="0"/>
+            </a:br>
+            <a:endParaRPr lang="lt-LT" sz="5400" dirty="0"/>
+          </a:p>
+        </p:txBody>
+      </p:sp>
+    </p:spTree>
+    <p:extLst>
+      <p:ext uri="{BB962C8B-B14F-4D97-AF65-F5344CB8AC3E}">
+        <p14:creationId xmlns:p14="http://schemas.microsoft.com/office/powerpoint/2010/main" val="2328856734"/>
       </p:ext>
     </p:extLst>
   </p:cSld>
@@ -10509,7 +12808,7 @@
           <p:cNvPr id="2" name="Title 1">
             <a:extLst>
               <a:ext uri="{FF2B5EF4-FFF2-40B4-BE49-F238E27FC236}">
-                <a16:creationId xmlns:a16="http://schemas.microsoft.com/office/drawing/2014/main" id="{FCEA22D6-07AF-4251-B783-96984A41F605}"/>
+                <a16:creationId xmlns:a16="http://schemas.microsoft.com/office/drawing/2014/main" id="{6AFA34A1-98AC-4DB6-86AC-DC60C4653CC1}"/>
               </a:ext>
             </a:extLst>
           </p:cNvPr>
@@ -10525,44 +12824,37 @@
           <a:bodyPr/>
           <a:lstStyle/>
           <a:p>
-            <a:endParaRPr lang="lt-LT"/>
-          </a:p>
-        </p:txBody>
-      </p:sp>
-      <p:pic>
-        <p:nvPicPr>
-          <p:cNvPr id="4" name="Picture 3">
-            <a:extLst>
-              <a:ext uri="{FF2B5EF4-FFF2-40B4-BE49-F238E27FC236}">
-                <a16:creationId xmlns:a16="http://schemas.microsoft.com/office/drawing/2014/main" id="{5E7A8124-52DD-4924-B001-FCA4BC2EEDE2}"/>
-              </a:ext>
-            </a:extLst>
-          </p:cNvPr>
-          <p:cNvPicPr>
-            <a:picLocks noChangeAspect="1"/>
-          </p:cNvPicPr>
-          <p:nvPr/>
-        </p:nvPicPr>
-        <p:blipFill>
-          <a:blip r:embed="rId2"/>
-          <a:stretch>
-            <a:fillRect/>
-          </a:stretch>
-        </p:blipFill>
-        <p:spPr>
-          <a:xfrm>
-            <a:off x="0" y="0"/>
-            <a:ext cx="12192000" cy="6858000"/>
-          </a:xfrm>
-          <a:prstGeom prst="rect">
-            <a:avLst/>
-          </a:prstGeom>
-        </p:spPr>
-      </p:pic>
+            <a:r>
+              <a:rPr lang="en-US" dirty="0"/>
+              <a:t>Per</a:t>
+            </a:r>
+            <a:r>
+              <a:rPr lang="lt-LT" dirty="0"/>
+              <a:t>žvalga per SWAGGER</a:t>
+            </a:r>
+            <a:r>
+              <a:rPr lang="en-US" dirty="0"/>
+              <a:t> </a:t>
+            </a:r>
+            <a:r>
+              <a:rPr lang="en-US" dirty="0" err="1"/>
+              <a:t>ir</a:t>
+            </a:r>
+            <a:r>
+              <a:rPr lang="en-US" dirty="0"/>
+              <a:t> </a:t>
+            </a:r>
+            <a:r>
+              <a:rPr lang="lt-LT" dirty="0"/>
+              <a:t>POSTMAN</a:t>
+            </a:r>
+          </a:p>
+        </p:txBody>
+      </p:sp>
     </p:spTree>
     <p:extLst>
       <p:ext uri="{BB962C8B-B14F-4D97-AF65-F5344CB8AC3E}">
-        <p14:creationId xmlns:p14="http://schemas.microsoft.com/office/powerpoint/2010/main" val="1356254473"/>
+        <p14:creationId xmlns:p14="http://schemas.microsoft.com/office/powerpoint/2010/main" val="3736927193"/>
       </p:ext>
     </p:extLst>
   </p:cSld>
@@ -10616,10 +12908,10 @@
       </p:sp>
       <p:pic>
         <p:nvPicPr>
-          <p:cNvPr id="3" name="Picture 2">
+          <p:cNvPr id="4" name="Picture 3">
             <a:extLst>
               <a:ext uri="{FF2B5EF4-FFF2-40B4-BE49-F238E27FC236}">
-                <a16:creationId xmlns:a16="http://schemas.microsoft.com/office/drawing/2014/main" id="{553C0E7B-CA15-4695-8694-7F8DF5EDB260}"/>
+                <a16:creationId xmlns:a16="http://schemas.microsoft.com/office/drawing/2014/main" id="{552E701C-A1DF-429A-9963-A9F3D4972D13}"/>
               </a:ext>
             </a:extLst>
           </p:cNvPr>
@@ -10628,16 +12920,15 @@
           </p:cNvPicPr>
           <p:nvPr/>
         </p:nvPicPr>
-        <p:blipFill>
+        <p:blipFill rotWithShape="1">
           <a:blip r:embed="rId2"/>
-          <a:stretch>
-            <a:fillRect/>
-          </a:stretch>
+          <a:srcRect b="4660"/>
+          <a:stretch/>
         </p:blipFill>
         <p:spPr>
           <a:xfrm>
             <a:off x="0" y="0"/>
-            <a:ext cx="12192000" cy="6858000"/>
+            <a:ext cx="12192000" cy="6538452"/>
           </a:xfrm>
           <a:prstGeom prst="rect">
             <a:avLst/>
@@ -10647,7 +12938,7 @@
     </p:spTree>
     <p:extLst>
       <p:ext uri="{BB962C8B-B14F-4D97-AF65-F5344CB8AC3E}">
-        <p14:creationId xmlns:p14="http://schemas.microsoft.com/office/powerpoint/2010/main" val="1953775478"/>
+        <p14:creationId xmlns:p14="http://schemas.microsoft.com/office/powerpoint/2010/main" val="2123307819"/>
       </p:ext>
     </p:extLst>
   </p:cSld>
